--- a/BLE-for-IoT-en.pptx
+++ b/BLE-for-IoT-en.pptx
@@ -6,10 +6,13 @@
   </p:sldMasterIdLst>
   <p:sldIdLst>
     <p:sldId id="256" r:id="rId2"/>
-    <p:sldId id="257" r:id="rId3"/>
-    <p:sldId id="259" r:id="rId4"/>
-    <p:sldId id="262" r:id="rId5"/>
-    <p:sldId id="260" r:id="rId6"/>
+    <p:sldId id="263" r:id="rId3"/>
+    <p:sldId id="264" r:id="rId4"/>
+    <p:sldId id="265" r:id="rId5"/>
+    <p:sldId id="257" r:id="rId6"/>
+    <p:sldId id="259" r:id="rId7"/>
+    <p:sldId id="262" r:id="rId8"/>
+    <p:sldId id="260" r:id="rId9"/>
   </p:sldIdLst>
   <p:sldSz cx="9144000" cy="6858000" type="screen4x3"/>
   <p:notesSz cx="6858000" cy="9144000"/>
@@ -3441,7 +3444,11 @@
           <a:p>
             <a:r>
               <a:rPr kumimoji="1" lang="en-US" altLang="ja-JP" smtClean="0"/>
-              <a:t>2018/11/24 Updated</a:t>
+              <a:t>2018/11/25 </a:t>
+            </a:r>
+            <a:r>
+              <a:rPr kumimoji="1" lang="en-US" altLang="ja-JP" smtClean="0"/>
+              <a:t>Updated</a:t>
             </a:r>
             <a:endParaRPr kumimoji="1" lang="ja-JP" altLang="en-US"/>
           </a:p>
@@ -3457,6 +3464,13 @@
   <p:clrMapOvr>
     <a:masterClrMapping/>
   </p:clrMapOvr>
+  <p:timing>
+    <p:tnLst>
+      <p:par>
+        <p:cTn id="1" dur="indefinite" restart="never" nodeType="tmRoot"/>
+      </p:par>
+    </p:tnLst>
+  </p:timing>
 </p:sld>
 </file>
 
@@ -3494,7 +3508,7 @@
           <a:p>
             <a:r>
               <a:rPr kumimoji="1" lang="en-US" altLang="ja-JP" smtClean="0"/>
-              <a:t>BLE is designed for IoT</a:t>
+              <a:t>Introduction</a:t>
             </a:r>
             <a:endParaRPr kumimoji="1" lang="ja-JP" altLang="en-US"/>
           </a:p>
@@ -3512,118 +3526,51 @@
         </p:nvSpPr>
         <p:spPr/>
         <p:txBody>
-          <a:bodyPr>
-            <a:normAutofit/>
-          </a:bodyPr>
+          <a:bodyPr/>
           <a:lstStyle/>
           <a:p>
             <a:r>
               <a:rPr kumimoji="1" lang="en-US" altLang="ja-JP" smtClean="0"/>
-              <a:t>BLE/Gatt</a:t>
-            </a:r>
-            <a:r>
-              <a:rPr lang="ja-JP" altLang="en-US"/>
-              <a:t> </a:t>
-            </a:r>
+              <a:t>BLE – Bluetooth Low Energy</a:t>
+            </a:r>
+          </a:p>
+          <a:p>
+            <a:pPr lvl="1"/>
             <a:r>
               <a:rPr lang="en-US" altLang="ja-JP" smtClean="0"/>
-              <a:t>profile:</a:t>
+              <a:t>Radio technology with range of a few meters</a:t>
             </a:r>
           </a:p>
           <a:p>
             <a:pPr lvl="1"/>
             <a:r>
               <a:rPr lang="en-US" altLang="ja-JP" smtClean="0"/>
-              <a:t>modled after read/write to I/O ports</a:t>
-            </a:r>
-            <a:endParaRPr lang="en-US" altLang="ja-JP" smtClean="0"/>
+              <a:t>Bluetooth 4.0+ or once called Bluetooth Smart</a:t>
+            </a:r>
+          </a:p>
+          <a:p>
+            <a:r>
+              <a:rPr kumimoji="1" lang="en-US" altLang="ja-JP" smtClean="0"/>
+              <a:t>IoT – Internet of Things</a:t>
+            </a:r>
           </a:p>
           <a:p>
             <a:pPr lvl="1"/>
             <a:r>
-              <a:rPr lang="en-US" altLang="ja-JP" sz="2400"/>
-              <a:t>a</a:t>
-            </a:r>
-            <a:r>
-              <a:rPr lang="en-US" altLang="ja-JP" sz="2400" smtClean="0"/>
-              <a:t>llows small amount of data exchange in one or two packets</a:t>
-            </a:r>
-            <a:endParaRPr lang="en-US" altLang="ja-JP" sz="2400"/>
-          </a:p>
-          <a:p>
-            <a:r>
               <a:rPr lang="en-US" altLang="ja-JP" smtClean="0"/>
-              <a:t>This indicates access to edge devices is a goal:</a:t>
-            </a:r>
-            <a:endParaRPr lang="en-US" altLang="ja-JP" smtClean="0"/>
-          </a:p>
-          <a:p>
-            <a:pPr lvl="1"/>
-            <a:r>
-              <a:rPr lang="en-US" altLang="ja-JP" smtClean="0"/>
-              <a:t>Sensors</a:t>
-            </a:r>
-            <a:endParaRPr lang="en-US" altLang="ja-JP" smtClean="0"/>
-          </a:p>
-          <a:p>
-            <a:pPr lvl="1"/>
-            <a:r>
-              <a:rPr lang="en-US" altLang="ja-JP" smtClean="0"/>
-              <a:t>Controllers</a:t>
-            </a:r>
-            <a:r>
-              <a:rPr lang="ja-JP" altLang="en-US" smtClean="0"/>
-              <a:t> </a:t>
-            </a:r>
-            <a:r>
-              <a:rPr lang="en-US" altLang="ja-JP" smtClean="0"/>
-              <a:t>(actuators)</a:t>
-            </a:r>
-            <a:endParaRPr lang="en-US" altLang="ja-JP" smtClean="0"/>
-          </a:p>
-          <a:p>
-            <a:endParaRPr lang="en-US" altLang="ja-JP" smtClean="0"/>
-          </a:p>
-          <a:p>
-            <a:pPr marL="0" indent="0">
-              <a:buNone/>
-            </a:pPr>
-            <a:endParaRPr lang="en-US" altLang="ja-JP"/>
-          </a:p>
-          <a:p>
-            <a:pPr marL="0" indent="0">
-              <a:buNone/>
-            </a:pPr>
-            <a:endParaRPr lang="en-US" altLang="ja-JP"/>
-          </a:p>
-          <a:p>
-            <a:pPr marL="0" indent="0">
-              <a:buNone/>
-            </a:pPr>
-            <a:endParaRPr lang="en-US" altLang="ja-JP" smtClean="0"/>
-          </a:p>
-          <a:p>
-            <a:pPr marL="0" indent="0">
-              <a:buNone/>
-            </a:pPr>
-            <a:endParaRPr lang="en-US" altLang="ja-JP"/>
-          </a:p>
-          <a:p>
-            <a:pPr marL="0" indent="0">
-              <a:buNone/>
-            </a:pPr>
-            <a:endParaRPr lang="en-US" altLang="ja-JP" smtClean="0"/>
-          </a:p>
-          <a:p>
-            <a:pPr marL="0" indent="0">
-              <a:buNone/>
-            </a:pPr>
-            <a:endParaRPr kumimoji="1" lang="en-US" altLang="ja-JP"/>
-          </a:p>
-          <a:p>
-            <a:pPr marL="0" indent="0">
-              <a:buNone/>
-            </a:pPr>
+              <a:t>Devices having Internet connectivity</a:t>
+            </a:r>
+          </a:p>
+          <a:p>
+            <a:endParaRPr kumimoji="1" lang="en-US" altLang="ja-JP" smtClean="0"/>
+          </a:p>
+          <a:p>
+            <a:r>
+              <a:rPr kumimoji="1" lang="en-US" altLang="ja-JP" smtClean="0"/>
+              <a:t>This set of slides shows how BLE-capable devices can be part of Internet</a:t>
+            </a:r>
+          </a:p>
+          <a:p>
             <a:endParaRPr kumimoji="1" lang="ja-JP" altLang="en-US"/>
           </a:p>
         </p:txBody>
@@ -3631,13 +3578,20 @@
     </p:spTree>
     <p:extLst>
       <p:ext uri="{BB962C8B-B14F-4D97-AF65-F5344CB8AC3E}">
-        <p14:creationId xmlns:p14="http://schemas.microsoft.com/office/powerpoint/2010/main" val="3654543916"/>
+        <p14:creationId xmlns:p14="http://schemas.microsoft.com/office/powerpoint/2010/main" val="1194200983"/>
       </p:ext>
     </p:extLst>
   </p:cSld>
   <p:clrMapOvr>
     <a:masterClrMapping/>
   </p:clrMapOvr>
+  <p:timing>
+    <p:tnLst>
+      <p:par>
+        <p:cTn id="1" dur="indefinite" restart="never" nodeType="tmRoot"/>
+      </p:par>
+    </p:tnLst>
+  </p:timing>
 </p:sld>
 </file>
 
@@ -3675,7 +3629,7 @@
           <a:p>
             <a:r>
               <a:rPr kumimoji="1" lang="en-US" altLang="ja-JP" smtClean="0"/>
-              <a:t>Gateway plays a Key role</a:t>
+              <a:t>Bluetooth Classic (before 2010)</a:t>
             </a:r>
             <a:endParaRPr kumimoji="1" lang="ja-JP" altLang="en-US"/>
           </a:p>
@@ -3683,14 +3637,385 @@
       </p:sp>
       <p:sp>
         <p:nvSpPr>
-          <p:cNvPr id="3" name="正方形/長方形 2"/>
+          <p:cNvPr id="4" name="雲形吹き出し 3"/>
           <p:cNvSpPr/>
           <p:nvPr/>
         </p:nvSpPr>
         <p:spPr>
           <a:xfrm>
-            <a:off x="3848772" y="3264180"/>
-            <a:ext cx="1296144" cy="936103"/>
+            <a:off x="7051073" y="3050820"/>
+            <a:ext cx="1008112" cy="740975"/>
+          </a:xfrm>
+          <a:prstGeom prst="cloudCallout">
+            <a:avLst/>
+          </a:prstGeom>
+          <a:solidFill>
+            <a:schemeClr val="accent1">
+              <a:lumMod val="20000"/>
+              <a:lumOff val="80000"/>
+            </a:schemeClr>
+          </a:solidFill>
+          <a:ln w="3175">
+            <a:prstDash val="sysDot"/>
+          </a:ln>
+        </p:spPr>
+        <p:style>
+          <a:lnRef idx="2">
+            <a:schemeClr val="accent1">
+              <a:shade val="50000"/>
+            </a:schemeClr>
+          </a:lnRef>
+          <a:fillRef idx="1">
+            <a:schemeClr val="accent1"/>
+          </a:fillRef>
+          <a:effectRef idx="0">
+            <a:schemeClr val="accent1"/>
+          </a:effectRef>
+          <a:fontRef idx="minor">
+            <a:schemeClr val="lt1"/>
+          </a:fontRef>
+        </p:style>
+        <p:txBody>
+          <a:bodyPr rot="0" spcFirstLastPara="0" vertOverflow="overflow" horzOverflow="overflow" vert="horz" wrap="square" lIns="91440" tIns="45720" rIns="91440" bIns="45720" numCol="1" spcCol="0" rtlCol="0" fromWordArt="0" anchor="ctr" anchorCtr="0" forceAA="0" compatLnSpc="1">
+            <a:prstTxWarp prst="textNoShape">
+              <a:avLst/>
+            </a:prstTxWarp>
+            <a:noAutofit/>
+          </a:bodyPr>
+          <a:lstStyle/>
+          <a:p>
+            <a:pPr algn="ctr"/>
+            <a:endParaRPr kumimoji="1" lang="ja-JP" altLang="en-US" smtClean="0">
+              <a:solidFill>
+                <a:schemeClr val="tx1">
+                  <a:lumMod val="50000"/>
+                  <a:lumOff val="50000"/>
+                </a:schemeClr>
+              </a:solidFill>
+            </a:endParaRPr>
+          </a:p>
+        </p:txBody>
+      </p:sp>
+      <p:sp>
+        <p:nvSpPr>
+          <p:cNvPr id="47" name="フローチャート: データ 46"/>
+          <p:cNvSpPr/>
+          <p:nvPr/>
+        </p:nvSpPr>
+        <p:spPr>
+          <a:xfrm>
+            <a:off x="1260269" y="4060105"/>
+            <a:ext cx="288032" cy="433026"/>
+          </a:xfrm>
+          <a:prstGeom prst="flowChartInputOutput">
+            <a:avLst/>
+          </a:prstGeom>
+          <a:solidFill>
+            <a:schemeClr val="accent1">
+              <a:lumMod val="20000"/>
+              <a:lumOff val="80000"/>
+            </a:schemeClr>
+          </a:solidFill>
+          <a:ln w="3175">
+            <a:prstDash val="sysDot"/>
+          </a:ln>
+        </p:spPr>
+        <p:style>
+          <a:lnRef idx="2">
+            <a:schemeClr val="accent1">
+              <a:shade val="50000"/>
+            </a:schemeClr>
+          </a:lnRef>
+          <a:fillRef idx="1">
+            <a:schemeClr val="accent1"/>
+          </a:fillRef>
+          <a:effectRef idx="0">
+            <a:schemeClr val="accent1"/>
+          </a:effectRef>
+          <a:fontRef idx="minor">
+            <a:schemeClr val="lt1"/>
+          </a:fontRef>
+        </p:style>
+        <p:txBody>
+          <a:bodyPr rot="0" spcFirstLastPara="0" vertOverflow="overflow" horzOverflow="overflow" vert="horz" wrap="square" lIns="91440" tIns="45720" rIns="91440" bIns="45720" numCol="1" spcCol="0" rtlCol="0" fromWordArt="0" anchor="ctr" anchorCtr="0" forceAA="0" compatLnSpc="1">
+            <a:prstTxWarp prst="textNoShape">
+              <a:avLst/>
+            </a:prstTxWarp>
+            <a:noAutofit/>
+          </a:bodyPr>
+          <a:lstStyle/>
+          <a:p>
+            <a:pPr algn="ctr"/>
+            <a:endParaRPr kumimoji="1" lang="ja-JP" altLang="en-US" smtClean="0">
+              <a:solidFill>
+                <a:schemeClr val="tx1">
+                  <a:lumMod val="50000"/>
+                  <a:lumOff val="50000"/>
+                </a:schemeClr>
+              </a:solidFill>
+            </a:endParaRPr>
+          </a:p>
+        </p:txBody>
+      </p:sp>
+      <p:sp>
+        <p:nvSpPr>
+          <p:cNvPr id="48" name="フローチャート : 定義済み処理 47"/>
+          <p:cNvSpPr/>
+          <p:nvPr/>
+        </p:nvSpPr>
+        <p:spPr>
+          <a:xfrm>
+            <a:off x="1053867" y="2390282"/>
+            <a:ext cx="804889" cy="426817"/>
+          </a:xfrm>
+          <a:prstGeom prst="flowChartPredefinedProcess">
+            <a:avLst/>
+          </a:prstGeom>
+          <a:solidFill>
+            <a:schemeClr val="accent1">
+              <a:lumMod val="20000"/>
+              <a:lumOff val="80000"/>
+            </a:schemeClr>
+          </a:solidFill>
+          <a:ln w="3175">
+            <a:prstDash val="sysDot"/>
+          </a:ln>
+        </p:spPr>
+        <p:style>
+          <a:lnRef idx="2">
+            <a:schemeClr val="accent1">
+              <a:shade val="50000"/>
+            </a:schemeClr>
+          </a:lnRef>
+          <a:fillRef idx="1">
+            <a:schemeClr val="accent1"/>
+          </a:fillRef>
+          <a:effectRef idx="0">
+            <a:schemeClr val="accent1"/>
+          </a:effectRef>
+          <a:fontRef idx="minor">
+            <a:schemeClr val="lt1"/>
+          </a:fontRef>
+        </p:style>
+        <p:txBody>
+          <a:bodyPr rot="0" spcFirstLastPara="0" vertOverflow="overflow" horzOverflow="overflow" vert="horz" wrap="square" lIns="91440" tIns="45720" rIns="91440" bIns="45720" numCol="1" spcCol="0" rtlCol="0" fromWordArt="0" anchor="ctr" anchorCtr="0" forceAA="0" compatLnSpc="1">
+            <a:prstTxWarp prst="textNoShape">
+              <a:avLst/>
+            </a:prstTxWarp>
+            <a:noAutofit/>
+          </a:bodyPr>
+          <a:lstStyle/>
+          <a:p>
+            <a:pPr algn="ctr"/>
+            <a:endParaRPr kumimoji="1" lang="ja-JP" altLang="en-US" smtClean="0">
+              <a:solidFill>
+                <a:schemeClr val="tx1">
+                  <a:lumMod val="50000"/>
+                  <a:lumOff val="50000"/>
+                </a:schemeClr>
+              </a:solidFill>
+            </a:endParaRPr>
+          </a:p>
+        </p:txBody>
+      </p:sp>
+      <p:sp>
+        <p:nvSpPr>
+          <p:cNvPr id="49" name="テキスト ボックス 48"/>
+          <p:cNvSpPr txBox="1"/>
+          <p:nvPr/>
+        </p:nvSpPr>
+        <p:spPr>
+          <a:xfrm>
+            <a:off x="1053868" y="4493131"/>
+            <a:ext cx="700833" cy="307777"/>
+          </a:xfrm>
+          <a:prstGeom prst="rect">
+            <a:avLst/>
+          </a:prstGeom>
+          <a:noFill/>
+        </p:spPr>
+        <p:txBody>
+          <a:bodyPr wrap="none" rtlCol="0">
+            <a:spAutoFit/>
+          </a:bodyPr>
+          <a:lstStyle/>
+          <a:p>
+            <a:r>
+              <a:rPr kumimoji="1" lang="en-US" altLang="ja-JP" sz="1400" smtClean="0">
+                <a:solidFill>
+                  <a:schemeClr val="tx1">
+                    <a:lumMod val="50000"/>
+                    <a:lumOff val="50000"/>
+                  </a:schemeClr>
+                </a:solidFill>
+              </a:rPr>
+              <a:t>Mobile</a:t>
+            </a:r>
+            <a:endParaRPr kumimoji="1" lang="ja-JP" altLang="en-US" sz="1400">
+              <a:solidFill>
+                <a:schemeClr val="tx1">
+                  <a:lumMod val="50000"/>
+                  <a:lumOff val="50000"/>
+                </a:schemeClr>
+              </a:solidFill>
+            </a:endParaRPr>
+          </a:p>
+        </p:txBody>
+      </p:sp>
+      <p:sp>
+        <p:nvSpPr>
+          <p:cNvPr id="50" name="テキスト ボックス 49"/>
+          <p:cNvSpPr txBox="1"/>
+          <p:nvPr/>
+        </p:nvSpPr>
+        <p:spPr>
+          <a:xfrm>
+            <a:off x="1260269" y="2136502"/>
+            <a:ext cx="373820" cy="307777"/>
+          </a:xfrm>
+          <a:prstGeom prst="rect">
+            <a:avLst/>
+          </a:prstGeom>
+          <a:noFill/>
+        </p:spPr>
+        <p:txBody>
+          <a:bodyPr wrap="none" rtlCol="0">
+            <a:spAutoFit/>
+          </a:bodyPr>
+          <a:lstStyle/>
+          <a:p>
+            <a:r>
+              <a:rPr kumimoji="1" lang="en-US" altLang="ja-JP" sz="1400" smtClean="0">
+                <a:solidFill>
+                  <a:schemeClr val="tx1">
+                    <a:lumMod val="50000"/>
+                    <a:lumOff val="50000"/>
+                  </a:schemeClr>
+                </a:solidFill>
+              </a:rPr>
+              <a:t>PC</a:t>
+            </a:r>
+            <a:endParaRPr kumimoji="1" lang="ja-JP" altLang="en-US" sz="1400">
+              <a:solidFill>
+                <a:schemeClr val="tx1">
+                  <a:lumMod val="50000"/>
+                  <a:lumOff val="50000"/>
+                </a:schemeClr>
+              </a:solidFill>
+            </a:endParaRPr>
+          </a:p>
+        </p:txBody>
+      </p:sp>
+      <p:sp>
+        <p:nvSpPr>
+          <p:cNvPr id="72" name="テキスト ボックス 71"/>
+          <p:cNvSpPr txBox="1"/>
+          <p:nvPr/>
+        </p:nvSpPr>
+        <p:spPr>
+          <a:xfrm>
+            <a:off x="6876256" y="3934064"/>
+            <a:ext cx="778034" cy="307777"/>
+          </a:xfrm>
+          <a:prstGeom prst="rect">
+            <a:avLst/>
+          </a:prstGeom>
+          <a:noFill/>
+        </p:spPr>
+        <p:txBody>
+          <a:bodyPr wrap="none" rtlCol="0">
+            <a:spAutoFit/>
+          </a:bodyPr>
+          <a:lstStyle/>
+          <a:p>
+            <a:r>
+              <a:rPr kumimoji="1" lang="en-US" altLang="ja-JP" sz="1400" smtClean="0">
+                <a:solidFill>
+                  <a:schemeClr val="tx1">
+                    <a:lumMod val="50000"/>
+                    <a:lumOff val="50000"/>
+                  </a:schemeClr>
+                </a:solidFill>
+              </a:rPr>
+              <a:t>Internet</a:t>
+            </a:r>
+            <a:endParaRPr kumimoji="1" lang="ja-JP" altLang="en-US" sz="1400">
+              <a:solidFill>
+                <a:schemeClr val="tx1">
+                  <a:lumMod val="50000"/>
+                  <a:lumOff val="50000"/>
+                </a:schemeClr>
+              </a:solidFill>
+            </a:endParaRPr>
+          </a:p>
+        </p:txBody>
+      </p:sp>
+      <p:sp>
+        <p:nvSpPr>
+          <p:cNvPr id="6" name="台形 5"/>
+          <p:cNvSpPr/>
+          <p:nvPr/>
+        </p:nvSpPr>
+        <p:spPr>
+          <a:xfrm>
+            <a:off x="3237046" y="1848471"/>
+            <a:ext cx="219172" cy="288032"/>
+          </a:xfrm>
+          <a:prstGeom prst="trapezoid">
+            <a:avLst/>
+          </a:prstGeom>
+          <a:solidFill>
+            <a:schemeClr val="accent1">
+              <a:lumMod val="20000"/>
+              <a:lumOff val="80000"/>
+            </a:schemeClr>
+          </a:solidFill>
+          <a:ln w="3175">
+            <a:prstDash val="sysDot"/>
+          </a:ln>
+        </p:spPr>
+        <p:style>
+          <a:lnRef idx="2">
+            <a:schemeClr val="accent1">
+              <a:shade val="50000"/>
+            </a:schemeClr>
+          </a:lnRef>
+          <a:fillRef idx="1">
+            <a:schemeClr val="accent1"/>
+          </a:fillRef>
+          <a:effectRef idx="0">
+            <a:schemeClr val="accent1"/>
+          </a:effectRef>
+          <a:fontRef idx="minor">
+            <a:schemeClr val="lt1"/>
+          </a:fontRef>
+        </p:style>
+        <p:txBody>
+          <a:bodyPr rtlCol="0" anchor="ctr"/>
+          <a:lstStyle/>
+          <a:p>
+            <a:pPr algn="ctr"/>
+            <a:endParaRPr kumimoji="1" lang="ja-JP" altLang="en-US" smtClean="0">
+              <a:solidFill>
+                <a:schemeClr val="tx1">
+                  <a:lumMod val="50000"/>
+                  <a:lumOff val="50000"/>
+                </a:schemeClr>
+              </a:solidFill>
+            </a:endParaRPr>
+          </a:p>
+        </p:txBody>
+      </p:sp>
+      <p:sp>
+        <p:nvSpPr>
+          <p:cNvPr id="9" name="正方形/長方形 8"/>
+          <p:cNvSpPr/>
+          <p:nvPr/>
+        </p:nvSpPr>
+        <p:spPr>
+          <a:xfrm>
+            <a:off x="3017044" y="2857004"/>
+            <a:ext cx="556509" cy="216024"/>
           </a:xfrm>
           <a:prstGeom prst="rect">
             <a:avLst/>
@@ -3726,6 +4051,1750 @@
           <a:lstStyle/>
           <a:p>
             <a:pPr algn="ctr"/>
+            <a:endParaRPr kumimoji="1" lang="ja-JP" altLang="en-US" smtClean="0">
+              <a:solidFill>
+                <a:schemeClr val="tx1">
+                  <a:lumMod val="50000"/>
+                  <a:lumOff val="50000"/>
+                </a:schemeClr>
+              </a:solidFill>
+            </a:endParaRPr>
+          </a:p>
+        </p:txBody>
+      </p:sp>
+      <p:sp>
+        <p:nvSpPr>
+          <p:cNvPr id="34" name="テキスト ボックス 33"/>
+          <p:cNvSpPr txBox="1"/>
+          <p:nvPr/>
+        </p:nvSpPr>
+        <p:spPr>
+          <a:xfrm>
+            <a:off x="2937836" y="3060753"/>
+            <a:ext cx="875111" cy="307777"/>
+          </a:xfrm>
+          <a:prstGeom prst="rect">
+            <a:avLst/>
+          </a:prstGeom>
+          <a:noFill/>
+        </p:spPr>
+        <p:txBody>
+          <a:bodyPr wrap="none" rtlCol="0">
+            <a:spAutoFit/>
+          </a:bodyPr>
+          <a:lstStyle/>
+          <a:p>
+            <a:r>
+              <a:rPr kumimoji="1" lang="en-US" altLang="ja-JP" sz="1400" smtClean="0">
+                <a:solidFill>
+                  <a:schemeClr val="tx1">
+                    <a:lumMod val="50000"/>
+                    <a:lumOff val="50000"/>
+                  </a:schemeClr>
+                </a:solidFill>
+              </a:rPr>
+              <a:t>Keyboard</a:t>
+            </a:r>
+            <a:endParaRPr kumimoji="1" lang="ja-JP" altLang="en-US" sz="1400">
+              <a:solidFill>
+                <a:schemeClr val="tx1">
+                  <a:lumMod val="50000"/>
+                  <a:lumOff val="50000"/>
+                </a:schemeClr>
+              </a:solidFill>
+            </a:endParaRPr>
+          </a:p>
+        </p:txBody>
+      </p:sp>
+      <p:sp>
+        <p:nvSpPr>
+          <p:cNvPr id="35" name="テキスト ボックス 34"/>
+          <p:cNvSpPr txBox="1"/>
+          <p:nvPr/>
+        </p:nvSpPr>
+        <p:spPr>
+          <a:xfrm>
+            <a:off x="2984178" y="2136503"/>
+            <a:ext cx="688009" cy="307777"/>
+          </a:xfrm>
+          <a:prstGeom prst="rect">
+            <a:avLst/>
+          </a:prstGeom>
+          <a:noFill/>
+        </p:spPr>
+        <p:txBody>
+          <a:bodyPr wrap="none" rtlCol="0">
+            <a:spAutoFit/>
+          </a:bodyPr>
+          <a:lstStyle/>
+          <a:p>
+            <a:r>
+              <a:rPr kumimoji="1" lang="en-US" altLang="ja-JP" sz="1400" smtClean="0">
+                <a:solidFill>
+                  <a:schemeClr val="tx1">
+                    <a:lumMod val="50000"/>
+                    <a:lumOff val="50000"/>
+                  </a:schemeClr>
+                </a:solidFill>
+              </a:rPr>
+              <a:t>Mouse</a:t>
+            </a:r>
+            <a:endParaRPr kumimoji="1" lang="ja-JP" altLang="en-US" sz="1400">
+              <a:solidFill>
+                <a:schemeClr val="tx1">
+                  <a:lumMod val="50000"/>
+                  <a:lumOff val="50000"/>
+                </a:schemeClr>
+              </a:solidFill>
+            </a:endParaRPr>
+          </a:p>
+        </p:txBody>
+      </p:sp>
+      <p:sp>
+        <p:nvSpPr>
+          <p:cNvPr id="10" name="直方体 9"/>
+          <p:cNvSpPr/>
+          <p:nvPr/>
+        </p:nvSpPr>
+        <p:spPr>
+          <a:xfrm>
+            <a:off x="3227796" y="3702468"/>
+            <a:ext cx="200772" cy="357637"/>
+          </a:xfrm>
+          <a:prstGeom prst="cube">
+            <a:avLst/>
+          </a:prstGeom>
+          <a:solidFill>
+            <a:schemeClr val="accent1">
+              <a:lumMod val="20000"/>
+              <a:lumOff val="80000"/>
+            </a:schemeClr>
+          </a:solidFill>
+          <a:ln w="3175">
+            <a:prstDash val="sysDot"/>
+          </a:ln>
+        </p:spPr>
+        <p:style>
+          <a:lnRef idx="2">
+            <a:schemeClr val="accent1">
+              <a:shade val="50000"/>
+            </a:schemeClr>
+          </a:lnRef>
+          <a:fillRef idx="1">
+            <a:schemeClr val="accent1"/>
+          </a:fillRef>
+          <a:effectRef idx="0">
+            <a:schemeClr val="accent1"/>
+          </a:effectRef>
+          <a:fontRef idx="minor">
+            <a:schemeClr val="lt1"/>
+          </a:fontRef>
+        </p:style>
+        <p:txBody>
+          <a:bodyPr rtlCol="0" anchor="ctr"/>
+          <a:lstStyle/>
+          <a:p>
+            <a:pPr algn="ctr"/>
+            <a:endParaRPr kumimoji="1" lang="ja-JP" altLang="en-US" smtClean="0">
+              <a:solidFill>
+                <a:schemeClr val="tx1">
+                  <a:lumMod val="50000"/>
+                  <a:lumOff val="50000"/>
+                </a:schemeClr>
+              </a:solidFill>
+            </a:endParaRPr>
+          </a:p>
+        </p:txBody>
+      </p:sp>
+      <p:sp>
+        <p:nvSpPr>
+          <p:cNvPr id="36" name="テキスト ボックス 35"/>
+          <p:cNvSpPr txBox="1"/>
+          <p:nvPr/>
+        </p:nvSpPr>
+        <p:spPr>
+          <a:xfrm>
+            <a:off x="2945385" y="4060105"/>
+            <a:ext cx="765594" cy="307777"/>
+          </a:xfrm>
+          <a:prstGeom prst="rect">
+            <a:avLst/>
+          </a:prstGeom>
+          <a:noFill/>
+        </p:spPr>
+        <p:txBody>
+          <a:bodyPr wrap="none" rtlCol="0">
+            <a:spAutoFit/>
+          </a:bodyPr>
+          <a:lstStyle/>
+          <a:p>
+            <a:r>
+              <a:rPr kumimoji="1" lang="en-US" altLang="ja-JP" sz="1400" smtClean="0">
+                <a:solidFill>
+                  <a:schemeClr val="tx1">
+                    <a:lumMod val="50000"/>
+                    <a:lumOff val="50000"/>
+                  </a:schemeClr>
+                </a:solidFill>
+              </a:rPr>
+              <a:t>Speaker</a:t>
+            </a:r>
+            <a:endParaRPr kumimoji="1" lang="ja-JP" altLang="en-US" sz="1400">
+              <a:solidFill>
+                <a:schemeClr val="tx1">
+                  <a:lumMod val="50000"/>
+                  <a:lumOff val="50000"/>
+                </a:schemeClr>
+              </a:solidFill>
+            </a:endParaRPr>
+          </a:p>
+        </p:txBody>
+      </p:sp>
+      <p:sp>
+        <p:nvSpPr>
+          <p:cNvPr id="11" name="アーチ 10"/>
+          <p:cNvSpPr/>
+          <p:nvPr/>
+        </p:nvSpPr>
+        <p:spPr>
+          <a:xfrm>
+            <a:off x="3262134" y="4716937"/>
+            <a:ext cx="219172" cy="288032"/>
+          </a:xfrm>
+          <a:prstGeom prst="blockArc">
+            <a:avLst/>
+          </a:prstGeom>
+          <a:solidFill>
+            <a:schemeClr val="accent1">
+              <a:lumMod val="20000"/>
+              <a:lumOff val="80000"/>
+            </a:schemeClr>
+          </a:solidFill>
+          <a:ln w="3175">
+            <a:prstDash val="sysDot"/>
+          </a:ln>
+        </p:spPr>
+        <p:style>
+          <a:lnRef idx="2">
+            <a:schemeClr val="accent1">
+              <a:shade val="50000"/>
+            </a:schemeClr>
+          </a:lnRef>
+          <a:fillRef idx="1">
+            <a:schemeClr val="accent1"/>
+          </a:fillRef>
+          <a:effectRef idx="0">
+            <a:schemeClr val="accent1"/>
+          </a:effectRef>
+          <a:fontRef idx="minor">
+            <a:schemeClr val="lt1"/>
+          </a:fontRef>
+        </p:style>
+        <p:txBody>
+          <a:bodyPr rtlCol="0" anchor="ctr"/>
+          <a:lstStyle/>
+          <a:p>
+            <a:pPr algn="ctr"/>
+            <a:endParaRPr kumimoji="1" lang="ja-JP" altLang="en-US" smtClean="0">
+              <a:solidFill>
+                <a:schemeClr val="tx1">
+                  <a:lumMod val="50000"/>
+                  <a:lumOff val="50000"/>
+                </a:schemeClr>
+              </a:solidFill>
+            </a:endParaRPr>
+          </a:p>
+        </p:txBody>
+      </p:sp>
+      <p:sp>
+        <p:nvSpPr>
+          <p:cNvPr id="38" name="テキスト ボックス 37"/>
+          <p:cNvSpPr txBox="1"/>
+          <p:nvPr/>
+        </p:nvSpPr>
+        <p:spPr>
+          <a:xfrm>
+            <a:off x="2956492" y="4860953"/>
+            <a:ext cx="788036" cy="307777"/>
+          </a:xfrm>
+          <a:prstGeom prst="rect">
+            <a:avLst/>
+          </a:prstGeom>
+          <a:noFill/>
+        </p:spPr>
+        <p:txBody>
+          <a:bodyPr wrap="none" rtlCol="0">
+            <a:spAutoFit/>
+          </a:bodyPr>
+          <a:lstStyle/>
+          <a:p>
+            <a:r>
+              <a:rPr kumimoji="1" lang="en-US" altLang="ja-JP" sz="1400" smtClean="0">
+                <a:solidFill>
+                  <a:schemeClr val="tx1">
+                    <a:lumMod val="50000"/>
+                    <a:lumOff val="50000"/>
+                  </a:schemeClr>
+                </a:solidFill>
+              </a:rPr>
+              <a:t>Headset</a:t>
+            </a:r>
+            <a:endParaRPr kumimoji="1" lang="ja-JP" altLang="en-US" sz="1400">
+              <a:solidFill>
+                <a:schemeClr val="tx1">
+                  <a:lumMod val="50000"/>
+                  <a:lumOff val="50000"/>
+                </a:schemeClr>
+              </a:solidFill>
+            </a:endParaRPr>
+          </a:p>
+        </p:txBody>
+      </p:sp>
+      <p:cxnSp>
+        <p:nvCxnSpPr>
+          <p:cNvPr id="20" name="直線矢印コネクタ 19"/>
+          <p:cNvCxnSpPr>
+            <a:stCxn id="48" idx="3"/>
+            <a:endCxn id="6" idx="1"/>
+          </p:cNvCxnSpPr>
+          <p:nvPr/>
+        </p:nvCxnSpPr>
+        <p:spPr>
+          <a:xfrm flipV="1">
+            <a:off x="1858756" y="1992487"/>
+            <a:ext cx="1405687" cy="611204"/>
+          </a:xfrm>
+          <a:prstGeom prst="straightConnector1">
+            <a:avLst/>
+          </a:prstGeom>
+          <a:ln>
+            <a:tailEnd type="arrow"/>
+          </a:ln>
+        </p:spPr>
+        <p:style>
+          <a:lnRef idx="1">
+            <a:schemeClr val="accent1"/>
+          </a:lnRef>
+          <a:fillRef idx="0">
+            <a:schemeClr val="accent1"/>
+          </a:fillRef>
+          <a:effectRef idx="0">
+            <a:schemeClr val="accent1"/>
+          </a:effectRef>
+          <a:fontRef idx="minor">
+            <a:schemeClr val="tx1"/>
+          </a:fontRef>
+        </p:style>
+      </p:cxnSp>
+      <p:cxnSp>
+        <p:nvCxnSpPr>
+          <p:cNvPr id="24" name="直線矢印コネクタ 23"/>
+          <p:cNvCxnSpPr>
+            <a:stCxn id="48" idx="3"/>
+            <a:endCxn id="9" idx="1"/>
+          </p:cNvCxnSpPr>
+          <p:nvPr/>
+        </p:nvCxnSpPr>
+        <p:spPr>
+          <a:xfrm>
+            <a:off x="1858756" y="2603691"/>
+            <a:ext cx="1158288" cy="361325"/>
+          </a:xfrm>
+          <a:prstGeom prst="straightConnector1">
+            <a:avLst/>
+          </a:prstGeom>
+          <a:ln>
+            <a:tailEnd type="arrow"/>
+          </a:ln>
+        </p:spPr>
+        <p:style>
+          <a:lnRef idx="1">
+            <a:schemeClr val="accent1"/>
+          </a:lnRef>
+          <a:fillRef idx="0">
+            <a:schemeClr val="accent1"/>
+          </a:fillRef>
+          <a:effectRef idx="0">
+            <a:schemeClr val="accent1"/>
+          </a:effectRef>
+          <a:fontRef idx="minor">
+            <a:schemeClr val="tx1"/>
+          </a:fontRef>
+        </p:style>
+      </p:cxnSp>
+      <p:cxnSp>
+        <p:nvCxnSpPr>
+          <p:cNvPr id="26" name="直線矢印コネクタ 25"/>
+          <p:cNvCxnSpPr>
+            <a:stCxn id="47" idx="5"/>
+            <a:endCxn id="10" idx="2"/>
+          </p:cNvCxnSpPr>
+          <p:nvPr/>
+        </p:nvCxnSpPr>
+        <p:spPr>
+          <a:xfrm flipV="1">
+            <a:off x="1519498" y="3906383"/>
+            <a:ext cx="1708298" cy="370235"/>
+          </a:xfrm>
+          <a:prstGeom prst="straightConnector1">
+            <a:avLst/>
+          </a:prstGeom>
+          <a:ln>
+            <a:tailEnd type="arrow"/>
+          </a:ln>
+        </p:spPr>
+        <p:style>
+          <a:lnRef idx="1">
+            <a:schemeClr val="accent1"/>
+          </a:lnRef>
+          <a:fillRef idx="0">
+            <a:schemeClr val="accent1"/>
+          </a:fillRef>
+          <a:effectRef idx="0">
+            <a:schemeClr val="accent1"/>
+          </a:effectRef>
+          <a:fontRef idx="minor">
+            <a:schemeClr val="tx1"/>
+          </a:fontRef>
+        </p:style>
+      </p:cxnSp>
+      <p:cxnSp>
+        <p:nvCxnSpPr>
+          <p:cNvPr id="39" name="直線矢印コネクタ 38"/>
+          <p:cNvCxnSpPr/>
+          <p:nvPr/>
+        </p:nvCxnSpPr>
+        <p:spPr>
+          <a:xfrm>
+            <a:off x="4427984" y="3424086"/>
+            <a:ext cx="2232248" cy="0"/>
+          </a:xfrm>
+          <a:prstGeom prst="straightConnector1">
+            <a:avLst/>
+          </a:prstGeom>
+          <a:ln>
+            <a:tailEnd type="arrow"/>
+          </a:ln>
+        </p:spPr>
+        <p:style>
+          <a:lnRef idx="1">
+            <a:schemeClr val="accent1"/>
+          </a:lnRef>
+          <a:fillRef idx="0">
+            <a:schemeClr val="accent1"/>
+          </a:fillRef>
+          <a:effectRef idx="0">
+            <a:schemeClr val="accent1"/>
+          </a:effectRef>
+          <a:fontRef idx="minor">
+            <a:schemeClr val="tx1"/>
+          </a:fontRef>
+        </p:style>
+      </p:cxnSp>
+      <p:cxnSp>
+        <p:nvCxnSpPr>
+          <p:cNvPr id="41" name="直線矢印コネクタ 40"/>
+          <p:cNvCxnSpPr>
+            <a:stCxn id="47" idx="5"/>
+            <a:endCxn id="11" idx="0"/>
+          </p:cNvCxnSpPr>
+          <p:nvPr/>
+        </p:nvCxnSpPr>
+        <p:spPr>
+          <a:xfrm>
+            <a:off x="1519498" y="4276618"/>
+            <a:ext cx="1770033" cy="584335"/>
+          </a:xfrm>
+          <a:prstGeom prst="straightConnector1">
+            <a:avLst/>
+          </a:prstGeom>
+          <a:ln>
+            <a:tailEnd type="arrow"/>
+          </a:ln>
+        </p:spPr>
+        <p:style>
+          <a:lnRef idx="1">
+            <a:schemeClr val="accent1"/>
+          </a:lnRef>
+          <a:fillRef idx="0">
+            <a:schemeClr val="accent1"/>
+          </a:fillRef>
+          <a:effectRef idx="0">
+            <a:schemeClr val="accent1"/>
+          </a:effectRef>
+          <a:fontRef idx="minor">
+            <a:schemeClr val="tx1"/>
+          </a:fontRef>
+        </p:style>
+      </p:cxnSp>
+      <p:sp>
+        <p:nvSpPr>
+          <p:cNvPr id="43" name="乗算記号 42"/>
+          <p:cNvSpPr/>
+          <p:nvPr/>
+        </p:nvSpPr>
+        <p:spPr>
+          <a:xfrm>
+            <a:off x="5148064" y="3050820"/>
+            <a:ext cx="864096" cy="740975"/>
+          </a:xfrm>
+          <a:prstGeom prst="mathMultiply">
+            <a:avLst/>
+          </a:prstGeom>
+          <a:solidFill>
+            <a:schemeClr val="accent2"/>
+          </a:solidFill>
+          <a:ln w="3175">
+            <a:prstDash val="sysDot"/>
+          </a:ln>
+        </p:spPr>
+        <p:style>
+          <a:lnRef idx="2">
+            <a:schemeClr val="accent1">
+              <a:shade val="50000"/>
+            </a:schemeClr>
+          </a:lnRef>
+          <a:fillRef idx="1">
+            <a:schemeClr val="accent1"/>
+          </a:fillRef>
+          <a:effectRef idx="0">
+            <a:schemeClr val="accent1"/>
+          </a:effectRef>
+          <a:fontRef idx="minor">
+            <a:schemeClr val="lt1"/>
+          </a:fontRef>
+        </p:style>
+        <p:txBody>
+          <a:bodyPr rtlCol="0" anchor="ctr"/>
+          <a:lstStyle/>
+          <a:p>
+            <a:pPr algn="ctr"/>
+            <a:endParaRPr kumimoji="1" lang="ja-JP" altLang="en-US" smtClean="0">
+              <a:solidFill>
+                <a:schemeClr val="tx1">
+                  <a:lumMod val="50000"/>
+                  <a:lumOff val="50000"/>
+                </a:schemeClr>
+              </a:solidFill>
+            </a:endParaRPr>
+          </a:p>
+        </p:txBody>
+      </p:sp>
+      <p:sp>
+        <p:nvSpPr>
+          <p:cNvPr id="44" name="テキスト ボックス 43"/>
+          <p:cNvSpPr txBox="1"/>
+          <p:nvPr/>
+        </p:nvSpPr>
+        <p:spPr>
+          <a:xfrm>
+            <a:off x="1754701" y="5460792"/>
+            <a:ext cx="5680979" cy="461665"/>
+          </a:xfrm>
+          <a:prstGeom prst="rect">
+            <a:avLst/>
+          </a:prstGeom>
+          <a:noFill/>
+        </p:spPr>
+        <p:txBody>
+          <a:bodyPr wrap="none" rtlCol="0">
+            <a:spAutoFit/>
+          </a:bodyPr>
+          <a:lstStyle/>
+          <a:p>
+            <a:r>
+              <a:rPr kumimoji="1" lang="en-US" altLang="ja-JP" sz="2400" smtClean="0">
+                <a:solidFill>
+                  <a:schemeClr val="tx1">
+                    <a:lumMod val="50000"/>
+                    <a:lumOff val="50000"/>
+                  </a:schemeClr>
+                </a:solidFill>
+              </a:rPr>
+              <a:t>Closed connection between user and device</a:t>
+            </a:r>
+            <a:endParaRPr kumimoji="1" lang="ja-JP" altLang="en-US" sz="2400">
+              <a:solidFill>
+                <a:schemeClr val="tx1">
+                  <a:lumMod val="50000"/>
+                  <a:lumOff val="50000"/>
+                </a:schemeClr>
+              </a:solidFill>
+            </a:endParaRPr>
+          </a:p>
+        </p:txBody>
+      </p:sp>
+    </p:spTree>
+    <p:extLst>
+      <p:ext uri="{BB962C8B-B14F-4D97-AF65-F5344CB8AC3E}">
+        <p14:creationId xmlns:p14="http://schemas.microsoft.com/office/powerpoint/2010/main" val="2716092260"/>
+      </p:ext>
+    </p:extLst>
+  </p:cSld>
+  <p:clrMapOvr>
+    <a:masterClrMapping/>
+  </p:clrMapOvr>
+  <p:timing>
+    <p:tnLst>
+      <p:par>
+        <p:cTn id="1" dur="indefinite" restart="never" nodeType="tmRoot"/>
+      </p:par>
+    </p:tnLst>
+  </p:timing>
+</p:sld>
+</file>
+
+<file path=ppt/slides/slide4.xml><?xml version="1.0" encoding="utf-8"?>
+<p:sld xmlns:a="http://schemas.openxmlformats.org/drawingml/2006/main" xmlns:r="http://schemas.openxmlformats.org/officeDocument/2006/relationships" xmlns:p="http://schemas.openxmlformats.org/presentationml/2006/main">
+  <p:cSld>
+    <p:spTree>
+      <p:nvGrpSpPr>
+        <p:cNvPr id="1" name=""/>
+        <p:cNvGrpSpPr/>
+        <p:nvPr/>
+      </p:nvGrpSpPr>
+      <p:grpSpPr>
+        <a:xfrm>
+          <a:off x="0" y="0"/>
+          <a:ext cx="0" cy="0"/>
+          <a:chOff x="0" y="0"/>
+          <a:chExt cx="0" cy="0"/>
+        </a:xfrm>
+      </p:grpSpPr>
+      <p:sp>
+        <p:nvSpPr>
+          <p:cNvPr id="2" name="タイトル 1"/>
+          <p:cNvSpPr>
+            <a:spLocks noGrp="1"/>
+          </p:cNvSpPr>
+          <p:nvPr>
+            <p:ph type="title"/>
+          </p:nvPr>
+        </p:nvSpPr>
+        <p:spPr/>
+        <p:txBody>
+          <a:bodyPr/>
+          <a:lstStyle/>
+          <a:p>
+            <a:r>
+              <a:rPr lang="en-US" altLang="ja-JP"/>
+              <a:t>Bluetooth LE (since 2010)</a:t>
+            </a:r>
+            <a:endParaRPr kumimoji="1" lang="ja-JP" altLang="en-US"/>
+          </a:p>
+        </p:txBody>
+      </p:sp>
+      <p:sp>
+        <p:nvSpPr>
+          <p:cNvPr id="4" name="雲形吹き出し 3"/>
+          <p:cNvSpPr/>
+          <p:nvPr/>
+        </p:nvSpPr>
+        <p:spPr>
+          <a:xfrm>
+            <a:off x="3413050" y="3043058"/>
+            <a:ext cx="1008112" cy="740975"/>
+          </a:xfrm>
+          <a:prstGeom prst="cloudCallout">
+            <a:avLst/>
+          </a:prstGeom>
+          <a:solidFill>
+            <a:schemeClr val="accent1">
+              <a:lumMod val="20000"/>
+              <a:lumOff val="80000"/>
+            </a:schemeClr>
+          </a:solidFill>
+          <a:ln w="3175">
+            <a:prstDash val="sysDot"/>
+          </a:ln>
+        </p:spPr>
+        <p:style>
+          <a:lnRef idx="2">
+            <a:schemeClr val="accent1">
+              <a:shade val="50000"/>
+            </a:schemeClr>
+          </a:lnRef>
+          <a:fillRef idx="1">
+            <a:schemeClr val="accent1"/>
+          </a:fillRef>
+          <a:effectRef idx="0">
+            <a:schemeClr val="accent1"/>
+          </a:effectRef>
+          <a:fontRef idx="minor">
+            <a:schemeClr val="lt1"/>
+          </a:fontRef>
+        </p:style>
+        <p:txBody>
+          <a:bodyPr rot="0" spcFirstLastPara="0" vertOverflow="overflow" horzOverflow="overflow" vert="horz" wrap="square" lIns="91440" tIns="45720" rIns="91440" bIns="45720" numCol="1" spcCol="0" rtlCol="0" fromWordArt="0" anchor="ctr" anchorCtr="0" forceAA="0" compatLnSpc="1">
+            <a:prstTxWarp prst="textNoShape">
+              <a:avLst/>
+            </a:prstTxWarp>
+            <a:noAutofit/>
+          </a:bodyPr>
+          <a:lstStyle/>
+          <a:p>
+            <a:pPr algn="ctr"/>
+            <a:endParaRPr kumimoji="1" lang="ja-JP" altLang="en-US" smtClean="0">
+              <a:solidFill>
+                <a:schemeClr val="tx1">
+                  <a:lumMod val="50000"/>
+                  <a:lumOff val="50000"/>
+                </a:schemeClr>
+              </a:solidFill>
+            </a:endParaRPr>
+          </a:p>
+        </p:txBody>
+      </p:sp>
+      <p:sp>
+        <p:nvSpPr>
+          <p:cNvPr id="47" name="フローチャート: データ 46"/>
+          <p:cNvSpPr/>
+          <p:nvPr/>
+        </p:nvSpPr>
+        <p:spPr>
+          <a:xfrm>
+            <a:off x="1633161" y="3915336"/>
+            <a:ext cx="288032" cy="433026"/>
+          </a:xfrm>
+          <a:prstGeom prst="flowChartInputOutput">
+            <a:avLst/>
+          </a:prstGeom>
+          <a:solidFill>
+            <a:schemeClr val="accent1">
+              <a:lumMod val="20000"/>
+              <a:lumOff val="80000"/>
+            </a:schemeClr>
+          </a:solidFill>
+          <a:ln w="3175">
+            <a:prstDash val="sysDot"/>
+          </a:ln>
+        </p:spPr>
+        <p:style>
+          <a:lnRef idx="2">
+            <a:schemeClr val="accent1">
+              <a:shade val="50000"/>
+            </a:schemeClr>
+          </a:lnRef>
+          <a:fillRef idx="1">
+            <a:schemeClr val="accent1"/>
+          </a:fillRef>
+          <a:effectRef idx="0">
+            <a:schemeClr val="accent1"/>
+          </a:effectRef>
+          <a:fontRef idx="minor">
+            <a:schemeClr val="lt1"/>
+          </a:fontRef>
+        </p:style>
+        <p:txBody>
+          <a:bodyPr rot="0" spcFirstLastPara="0" vertOverflow="overflow" horzOverflow="overflow" vert="horz" wrap="square" lIns="91440" tIns="45720" rIns="91440" bIns="45720" numCol="1" spcCol="0" rtlCol="0" fromWordArt="0" anchor="ctr" anchorCtr="0" forceAA="0" compatLnSpc="1">
+            <a:prstTxWarp prst="textNoShape">
+              <a:avLst/>
+            </a:prstTxWarp>
+            <a:noAutofit/>
+          </a:bodyPr>
+          <a:lstStyle/>
+          <a:p>
+            <a:pPr algn="ctr"/>
+            <a:endParaRPr kumimoji="1" lang="ja-JP" altLang="en-US" smtClean="0">
+              <a:solidFill>
+                <a:schemeClr val="tx1">
+                  <a:lumMod val="50000"/>
+                  <a:lumOff val="50000"/>
+                </a:schemeClr>
+              </a:solidFill>
+            </a:endParaRPr>
+          </a:p>
+        </p:txBody>
+      </p:sp>
+      <p:sp>
+        <p:nvSpPr>
+          <p:cNvPr id="49" name="テキスト ボックス 48"/>
+          <p:cNvSpPr txBox="1"/>
+          <p:nvPr/>
+        </p:nvSpPr>
+        <p:spPr>
+          <a:xfrm>
+            <a:off x="1426760" y="4348362"/>
+            <a:ext cx="700833" cy="307777"/>
+          </a:xfrm>
+          <a:prstGeom prst="rect">
+            <a:avLst/>
+          </a:prstGeom>
+          <a:noFill/>
+        </p:spPr>
+        <p:txBody>
+          <a:bodyPr wrap="none" rtlCol="0">
+            <a:spAutoFit/>
+          </a:bodyPr>
+          <a:lstStyle/>
+          <a:p>
+            <a:r>
+              <a:rPr kumimoji="1" lang="en-US" altLang="ja-JP" sz="1400" smtClean="0">
+                <a:solidFill>
+                  <a:schemeClr val="tx1">
+                    <a:lumMod val="50000"/>
+                    <a:lumOff val="50000"/>
+                  </a:schemeClr>
+                </a:solidFill>
+              </a:rPr>
+              <a:t>Mobile</a:t>
+            </a:r>
+            <a:endParaRPr kumimoji="1" lang="ja-JP" altLang="en-US" sz="1400">
+              <a:solidFill>
+                <a:schemeClr val="tx1">
+                  <a:lumMod val="50000"/>
+                  <a:lumOff val="50000"/>
+                </a:schemeClr>
+              </a:solidFill>
+            </a:endParaRPr>
+          </a:p>
+        </p:txBody>
+      </p:sp>
+      <p:cxnSp>
+        <p:nvCxnSpPr>
+          <p:cNvPr id="52" name="直線矢印コネクタ 51"/>
+          <p:cNvCxnSpPr>
+            <a:stCxn id="4" idx="0"/>
+            <a:endCxn id="18" idx="3"/>
+          </p:cNvCxnSpPr>
+          <p:nvPr/>
+        </p:nvCxnSpPr>
+        <p:spPr>
+          <a:xfrm flipH="1" flipV="1">
+            <a:off x="2209225" y="2713684"/>
+            <a:ext cx="1206952" cy="699862"/>
+          </a:xfrm>
+          <a:prstGeom prst="straightConnector1">
+            <a:avLst/>
+          </a:prstGeom>
+          <a:ln>
+            <a:tailEnd type="arrow"/>
+          </a:ln>
+        </p:spPr>
+        <p:style>
+          <a:lnRef idx="1">
+            <a:schemeClr val="accent1"/>
+          </a:lnRef>
+          <a:fillRef idx="0">
+            <a:schemeClr val="accent1"/>
+          </a:fillRef>
+          <a:effectRef idx="0">
+            <a:schemeClr val="accent1"/>
+          </a:effectRef>
+          <a:fontRef idx="minor">
+            <a:schemeClr val="tx1"/>
+          </a:fontRef>
+        </p:style>
+      </p:cxnSp>
+      <p:cxnSp>
+        <p:nvCxnSpPr>
+          <p:cNvPr id="54" name="直線コネクタ 53"/>
+          <p:cNvCxnSpPr>
+            <a:stCxn id="47" idx="5"/>
+            <a:endCxn id="4" idx="0"/>
+          </p:cNvCxnSpPr>
+          <p:nvPr/>
+        </p:nvCxnSpPr>
+        <p:spPr>
+          <a:xfrm flipV="1">
+            <a:off x="1892390" y="3413546"/>
+            <a:ext cx="1523787" cy="718303"/>
+          </a:xfrm>
+          <a:prstGeom prst="line">
+            <a:avLst/>
+          </a:prstGeom>
+          <a:ln>
+            <a:tailEnd type="arrow"/>
+          </a:ln>
+        </p:spPr>
+        <p:style>
+          <a:lnRef idx="1">
+            <a:schemeClr val="accent1"/>
+          </a:lnRef>
+          <a:fillRef idx="0">
+            <a:schemeClr val="accent1"/>
+          </a:fillRef>
+          <a:effectRef idx="0">
+            <a:schemeClr val="accent1"/>
+          </a:effectRef>
+          <a:fontRef idx="minor">
+            <a:schemeClr val="tx1"/>
+          </a:fontRef>
+        </p:style>
+      </p:cxnSp>
+      <p:sp>
+        <p:nvSpPr>
+          <p:cNvPr id="61" name="太陽 60"/>
+          <p:cNvSpPr/>
+          <p:nvPr/>
+        </p:nvSpPr>
+        <p:spPr>
+          <a:xfrm>
+            <a:off x="5746799" y="4089024"/>
+            <a:ext cx="360040" cy="332187"/>
+          </a:xfrm>
+          <a:prstGeom prst="sun">
+            <a:avLst/>
+          </a:prstGeom>
+          <a:solidFill>
+            <a:schemeClr val="accent1">
+              <a:lumMod val="20000"/>
+              <a:lumOff val="80000"/>
+            </a:schemeClr>
+          </a:solidFill>
+          <a:ln w="3175">
+            <a:prstDash val="sysDot"/>
+          </a:ln>
+        </p:spPr>
+        <p:style>
+          <a:lnRef idx="2">
+            <a:schemeClr val="accent1">
+              <a:shade val="50000"/>
+            </a:schemeClr>
+          </a:lnRef>
+          <a:fillRef idx="1">
+            <a:schemeClr val="accent1"/>
+          </a:fillRef>
+          <a:effectRef idx="0">
+            <a:schemeClr val="accent1"/>
+          </a:effectRef>
+          <a:fontRef idx="minor">
+            <a:schemeClr val="lt1"/>
+          </a:fontRef>
+        </p:style>
+        <p:txBody>
+          <a:bodyPr rot="0" spcFirstLastPara="0" vertOverflow="overflow" horzOverflow="overflow" vert="horz" wrap="square" lIns="91440" tIns="45720" rIns="91440" bIns="45720" numCol="1" spcCol="0" rtlCol="0" fromWordArt="0" anchor="ctr" anchorCtr="0" forceAA="0" compatLnSpc="1">
+            <a:prstTxWarp prst="textNoShape">
+              <a:avLst/>
+            </a:prstTxWarp>
+            <a:noAutofit/>
+          </a:bodyPr>
+          <a:lstStyle/>
+          <a:p>
+            <a:pPr algn="ctr"/>
+            <a:endParaRPr kumimoji="1" lang="ja-JP" altLang="en-US" smtClean="0">
+              <a:solidFill>
+                <a:schemeClr val="tx1">
+                  <a:lumMod val="50000"/>
+                  <a:lumOff val="50000"/>
+                </a:schemeClr>
+              </a:solidFill>
+            </a:endParaRPr>
+          </a:p>
+        </p:txBody>
+      </p:sp>
+      <p:sp>
+        <p:nvSpPr>
+          <p:cNvPr id="62" name="稲妻 61"/>
+          <p:cNvSpPr/>
+          <p:nvPr/>
+        </p:nvSpPr>
+        <p:spPr>
+          <a:xfrm>
+            <a:off x="5764801" y="2450047"/>
+            <a:ext cx="324036" cy="278899"/>
+          </a:xfrm>
+          <a:prstGeom prst="lightningBolt">
+            <a:avLst/>
+          </a:prstGeom>
+          <a:solidFill>
+            <a:schemeClr val="accent1">
+              <a:lumMod val="20000"/>
+              <a:lumOff val="80000"/>
+            </a:schemeClr>
+          </a:solidFill>
+          <a:ln w="3175">
+            <a:prstDash val="sysDot"/>
+          </a:ln>
+        </p:spPr>
+        <p:style>
+          <a:lnRef idx="2">
+            <a:schemeClr val="accent1">
+              <a:shade val="50000"/>
+            </a:schemeClr>
+          </a:lnRef>
+          <a:fillRef idx="1">
+            <a:schemeClr val="accent1"/>
+          </a:fillRef>
+          <a:effectRef idx="0">
+            <a:schemeClr val="accent1"/>
+          </a:effectRef>
+          <a:fontRef idx="minor">
+            <a:schemeClr val="lt1"/>
+          </a:fontRef>
+        </p:style>
+        <p:txBody>
+          <a:bodyPr rot="0" spcFirstLastPara="0" vertOverflow="overflow" horzOverflow="overflow" vert="horz" wrap="square" lIns="91440" tIns="45720" rIns="91440" bIns="45720" numCol="1" spcCol="0" rtlCol="0" fromWordArt="0" anchor="ctr" anchorCtr="0" forceAA="0" compatLnSpc="1">
+            <a:prstTxWarp prst="textNoShape">
+              <a:avLst/>
+            </a:prstTxWarp>
+            <a:noAutofit/>
+          </a:bodyPr>
+          <a:lstStyle/>
+          <a:p>
+            <a:pPr algn="ctr"/>
+            <a:endParaRPr kumimoji="1" lang="ja-JP" altLang="en-US" smtClean="0">
+              <a:solidFill>
+                <a:schemeClr val="tx1">
+                  <a:lumMod val="50000"/>
+                  <a:lumOff val="50000"/>
+                </a:schemeClr>
+              </a:solidFill>
+            </a:endParaRPr>
+          </a:p>
+        </p:txBody>
+      </p:sp>
+      <p:cxnSp>
+        <p:nvCxnSpPr>
+          <p:cNvPr id="64" name="直線矢印コネクタ 63"/>
+          <p:cNvCxnSpPr>
+            <a:stCxn id="4" idx="2"/>
+            <a:endCxn id="62" idx="1"/>
+          </p:cNvCxnSpPr>
+          <p:nvPr/>
+        </p:nvCxnSpPr>
+        <p:spPr>
+          <a:xfrm flipV="1">
+            <a:off x="4420322" y="2500275"/>
+            <a:ext cx="1344479" cy="913271"/>
+          </a:xfrm>
+          <a:prstGeom prst="straightConnector1">
+            <a:avLst/>
+          </a:prstGeom>
+          <a:ln>
+            <a:tailEnd type="arrow"/>
+          </a:ln>
+        </p:spPr>
+        <p:style>
+          <a:lnRef idx="1">
+            <a:schemeClr val="accent1"/>
+          </a:lnRef>
+          <a:fillRef idx="0">
+            <a:schemeClr val="accent1"/>
+          </a:fillRef>
+          <a:effectRef idx="0">
+            <a:schemeClr val="accent1"/>
+          </a:effectRef>
+          <a:fontRef idx="minor">
+            <a:schemeClr val="tx1"/>
+          </a:fontRef>
+        </p:style>
+      </p:cxnSp>
+      <p:cxnSp>
+        <p:nvCxnSpPr>
+          <p:cNvPr id="66" name="直線矢印コネクタ 65"/>
+          <p:cNvCxnSpPr>
+            <a:stCxn id="4" idx="2"/>
+            <a:endCxn id="61" idx="1"/>
+          </p:cNvCxnSpPr>
+          <p:nvPr/>
+        </p:nvCxnSpPr>
+        <p:spPr>
+          <a:xfrm>
+            <a:off x="4420322" y="3413546"/>
+            <a:ext cx="1326477" cy="841572"/>
+          </a:xfrm>
+          <a:prstGeom prst="straightConnector1">
+            <a:avLst/>
+          </a:prstGeom>
+          <a:ln>
+            <a:tailEnd type="arrow"/>
+          </a:ln>
+        </p:spPr>
+        <p:style>
+          <a:lnRef idx="1">
+            <a:schemeClr val="accent1"/>
+          </a:lnRef>
+          <a:fillRef idx="0">
+            <a:schemeClr val="accent1"/>
+          </a:fillRef>
+          <a:effectRef idx="0">
+            <a:schemeClr val="accent1"/>
+          </a:effectRef>
+          <a:fontRef idx="minor">
+            <a:schemeClr val="tx1"/>
+          </a:fontRef>
+        </p:style>
+      </p:cxnSp>
+      <p:sp>
+        <p:nvSpPr>
+          <p:cNvPr id="72" name="テキスト ボックス 71"/>
+          <p:cNvSpPr txBox="1"/>
+          <p:nvPr/>
+        </p:nvSpPr>
+        <p:spPr>
+          <a:xfrm>
+            <a:off x="3113049" y="3935135"/>
+            <a:ext cx="606256" cy="307777"/>
+          </a:xfrm>
+          <a:prstGeom prst="rect">
+            <a:avLst/>
+          </a:prstGeom>
+          <a:noFill/>
+        </p:spPr>
+        <p:txBody>
+          <a:bodyPr wrap="none" rtlCol="0">
+            <a:spAutoFit/>
+          </a:bodyPr>
+          <a:lstStyle/>
+          <a:p>
+            <a:r>
+              <a:rPr kumimoji="1" lang="en-US" altLang="ja-JP" sz="1400" smtClean="0">
+                <a:solidFill>
+                  <a:schemeClr val="tx1">
+                    <a:lumMod val="50000"/>
+                    <a:lumOff val="50000"/>
+                  </a:schemeClr>
+                </a:solidFill>
+              </a:rPr>
+              <a:t>Cloud</a:t>
+            </a:r>
+            <a:endParaRPr kumimoji="1" lang="ja-JP" altLang="en-US" sz="1400">
+              <a:solidFill>
+                <a:schemeClr val="tx1">
+                  <a:lumMod val="50000"/>
+                  <a:lumOff val="50000"/>
+                </a:schemeClr>
+              </a:solidFill>
+            </a:endParaRPr>
+          </a:p>
+        </p:txBody>
+      </p:sp>
+      <p:sp>
+        <p:nvSpPr>
+          <p:cNvPr id="6" name="テキスト ボックス 5"/>
+          <p:cNvSpPr txBox="1"/>
+          <p:nvPr/>
+        </p:nvSpPr>
+        <p:spPr>
+          <a:xfrm>
+            <a:off x="6372200" y="2195692"/>
+            <a:ext cx="2016224" cy="923330"/>
+          </a:xfrm>
+          <a:prstGeom prst="rect">
+            <a:avLst/>
+          </a:prstGeom>
+          <a:noFill/>
+        </p:spPr>
+        <p:txBody>
+          <a:bodyPr wrap="square" rtlCol="0">
+            <a:spAutoFit/>
+          </a:bodyPr>
+          <a:lstStyle/>
+          <a:p>
+            <a:r>
+              <a:rPr kumimoji="1" lang="en-US" altLang="ja-JP" smtClean="0">
+                <a:solidFill>
+                  <a:schemeClr val="tx1">
+                    <a:lumMod val="50000"/>
+                    <a:lumOff val="50000"/>
+                  </a:schemeClr>
+                </a:solidFill>
+              </a:rPr>
+              <a:t>Sensors:</a:t>
+            </a:r>
+          </a:p>
+          <a:p>
+            <a:r>
+              <a:rPr lang="en-US" altLang="ja-JP">
+                <a:solidFill>
+                  <a:schemeClr val="tx1">
+                    <a:lumMod val="50000"/>
+                    <a:lumOff val="50000"/>
+                  </a:schemeClr>
+                </a:solidFill>
+              </a:rPr>
+              <a:t> </a:t>
+            </a:r>
+            <a:r>
+              <a:rPr lang="en-US" altLang="ja-JP" smtClean="0">
+                <a:solidFill>
+                  <a:schemeClr val="tx1">
+                    <a:lumMod val="50000"/>
+                    <a:lumOff val="50000"/>
+                  </a:schemeClr>
+                </a:solidFill>
+              </a:rPr>
+              <a:t> Health devices,</a:t>
+            </a:r>
+          </a:p>
+          <a:p>
+            <a:r>
+              <a:rPr kumimoji="1" lang="en-US" altLang="ja-JP">
+                <a:solidFill>
+                  <a:schemeClr val="tx1">
+                    <a:lumMod val="50000"/>
+                    <a:lumOff val="50000"/>
+                  </a:schemeClr>
+                </a:solidFill>
+              </a:rPr>
+              <a:t> </a:t>
+            </a:r>
+            <a:r>
+              <a:rPr kumimoji="1" lang="en-US" altLang="ja-JP" smtClean="0">
+                <a:solidFill>
+                  <a:schemeClr val="tx1">
+                    <a:lumMod val="50000"/>
+                    <a:lumOff val="50000"/>
+                  </a:schemeClr>
+                </a:solidFill>
+              </a:rPr>
+              <a:t> Temperature, etc.</a:t>
+            </a:r>
+            <a:endParaRPr kumimoji="1" lang="ja-JP" altLang="en-US">
+              <a:solidFill>
+                <a:schemeClr val="tx1">
+                  <a:lumMod val="50000"/>
+                  <a:lumOff val="50000"/>
+                </a:schemeClr>
+              </a:solidFill>
+            </a:endParaRPr>
+          </a:p>
+        </p:txBody>
+      </p:sp>
+      <p:sp>
+        <p:nvSpPr>
+          <p:cNvPr id="34" name="テキスト ボックス 33"/>
+          <p:cNvSpPr txBox="1"/>
+          <p:nvPr/>
+        </p:nvSpPr>
+        <p:spPr>
+          <a:xfrm>
+            <a:off x="6372200" y="3954065"/>
+            <a:ext cx="2016224" cy="1200329"/>
+          </a:xfrm>
+          <a:prstGeom prst="rect">
+            <a:avLst/>
+          </a:prstGeom>
+          <a:noFill/>
+        </p:spPr>
+        <p:txBody>
+          <a:bodyPr wrap="square" rtlCol="0">
+            <a:spAutoFit/>
+          </a:bodyPr>
+          <a:lstStyle/>
+          <a:p>
+            <a:r>
+              <a:rPr kumimoji="1" lang="en-US" altLang="ja-JP" smtClean="0">
+                <a:solidFill>
+                  <a:schemeClr val="tx1">
+                    <a:lumMod val="50000"/>
+                    <a:lumOff val="50000"/>
+                  </a:schemeClr>
+                </a:solidFill>
+              </a:rPr>
+              <a:t>Controllers:</a:t>
+            </a:r>
+          </a:p>
+          <a:p>
+            <a:r>
+              <a:rPr lang="en-US" altLang="ja-JP">
+                <a:solidFill>
+                  <a:schemeClr val="tx1">
+                    <a:lumMod val="50000"/>
+                    <a:lumOff val="50000"/>
+                  </a:schemeClr>
+                </a:solidFill>
+              </a:rPr>
+              <a:t> </a:t>
+            </a:r>
+            <a:r>
+              <a:rPr lang="en-US" altLang="ja-JP" smtClean="0">
+                <a:solidFill>
+                  <a:schemeClr val="tx1">
+                    <a:lumMod val="50000"/>
+                    <a:lumOff val="50000"/>
+                  </a:schemeClr>
+                </a:solidFill>
+              </a:rPr>
+              <a:t> Lights.</a:t>
+            </a:r>
+          </a:p>
+          <a:p>
+            <a:r>
+              <a:rPr lang="en-US" altLang="ja-JP" smtClean="0">
+                <a:solidFill>
+                  <a:schemeClr val="tx1">
+                    <a:lumMod val="50000"/>
+                    <a:lumOff val="50000"/>
+                  </a:schemeClr>
+                </a:solidFill>
+              </a:rPr>
+              <a:t>  Air conditioner,</a:t>
+            </a:r>
+          </a:p>
+          <a:p>
+            <a:r>
+              <a:rPr kumimoji="1" lang="en-US" altLang="ja-JP">
+                <a:solidFill>
+                  <a:schemeClr val="tx1">
+                    <a:lumMod val="50000"/>
+                    <a:lumOff val="50000"/>
+                  </a:schemeClr>
+                </a:solidFill>
+              </a:rPr>
+              <a:t> </a:t>
+            </a:r>
+            <a:r>
+              <a:rPr kumimoji="1" lang="en-US" altLang="ja-JP" smtClean="0">
+                <a:solidFill>
+                  <a:schemeClr val="tx1">
+                    <a:lumMod val="50000"/>
+                    <a:lumOff val="50000"/>
+                  </a:schemeClr>
+                </a:solidFill>
+              </a:rPr>
+              <a:t> Doors, etc.</a:t>
+            </a:r>
+            <a:endParaRPr kumimoji="1" lang="ja-JP" altLang="en-US">
+              <a:solidFill>
+                <a:schemeClr val="tx1">
+                  <a:lumMod val="50000"/>
+                  <a:lumOff val="50000"/>
+                </a:schemeClr>
+              </a:solidFill>
+            </a:endParaRPr>
+          </a:p>
+        </p:txBody>
+      </p:sp>
+      <p:sp>
+        <p:nvSpPr>
+          <p:cNvPr id="35" name="テキスト ボックス 34"/>
+          <p:cNvSpPr txBox="1"/>
+          <p:nvPr/>
+        </p:nvSpPr>
+        <p:spPr>
+          <a:xfrm>
+            <a:off x="1892390" y="5517231"/>
+            <a:ext cx="5257978" cy="461665"/>
+          </a:xfrm>
+          <a:prstGeom prst="rect">
+            <a:avLst/>
+          </a:prstGeom>
+          <a:noFill/>
+        </p:spPr>
+        <p:txBody>
+          <a:bodyPr wrap="none" rtlCol="0">
+            <a:spAutoFit/>
+          </a:bodyPr>
+          <a:lstStyle/>
+          <a:p>
+            <a:r>
+              <a:rPr kumimoji="1" lang="en-US" altLang="ja-JP" sz="2400" smtClean="0">
+                <a:solidFill>
+                  <a:schemeClr val="tx1">
+                    <a:lumMod val="50000"/>
+                    <a:lumOff val="50000"/>
+                  </a:schemeClr>
+                </a:solidFill>
+              </a:rPr>
+              <a:t>Requires Inetnet connection to be useful</a:t>
+            </a:r>
+            <a:endParaRPr kumimoji="1" lang="ja-JP" altLang="en-US" sz="2400">
+              <a:solidFill>
+                <a:schemeClr val="tx1">
+                  <a:lumMod val="50000"/>
+                  <a:lumOff val="50000"/>
+                </a:schemeClr>
+              </a:solidFill>
+            </a:endParaRPr>
+          </a:p>
+        </p:txBody>
+      </p:sp>
+      <p:sp>
+        <p:nvSpPr>
+          <p:cNvPr id="18" name="フローチャート : 定義済み処理 17"/>
+          <p:cNvSpPr/>
+          <p:nvPr/>
+        </p:nvSpPr>
+        <p:spPr>
+          <a:xfrm>
+            <a:off x="1404336" y="2500275"/>
+            <a:ext cx="804889" cy="426817"/>
+          </a:xfrm>
+          <a:prstGeom prst="flowChartPredefinedProcess">
+            <a:avLst/>
+          </a:prstGeom>
+          <a:solidFill>
+            <a:schemeClr val="accent1">
+              <a:lumMod val="20000"/>
+              <a:lumOff val="80000"/>
+            </a:schemeClr>
+          </a:solidFill>
+          <a:ln w="3175">
+            <a:prstDash val="sysDot"/>
+          </a:ln>
+        </p:spPr>
+        <p:style>
+          <a:lnRef idx="2">
+            <a:schemeClr val="accent1">
+              <a:shade val="50000"/>
+            </a:schemeClr>
+          </a:lnRef>
+          <a:fillRef idx="1">
+            <a:schemeClr val="accent1"/>
+          </a:fillRef>
+          <a:effectRef idx="0">
+            <a:schemeClr val="accent1"/>
+          </a:effectRef>
+          <a:fontRef idx="minor">
+            <a:schemeClr val="lt1"/>
+          </a:fontRef>
+        </p:style>
+        <p:txBody>
+          <a:bodyPr rot="0" spcFirstLastPara="0" vertOverflow="overflow" horzOverflow="overflow" vert="horz" wrap="square" lIns="91440" tIns="45720" rIns="91440" bIns="45720" numCol="1" spcCol="0" rtlCol="0" fromWordArt="0" anchor="ctr" anchorCtr="0" forceAA="0" compatLnSpc="1">
+            <a:prstTxWarp prst="textNoShape">
+              <a:avLst/>
+            </a:prstTxWarp>
+            <a:noAutofit/>
+          </a:bodyPr>
+          <a:lstStyle/>
+          <a:p>
+            <a:pPr algn="ctr"/>
+            <a:endParaRPr kumimoji="1" lang="ja-JP" altLang="en-US" smtClean="0">
+              <a:solidFill>
+                <a:schemeClr val="tx1">
+                  <a:lumMod val="50000"/>
+                  <a:lumOff val="50000"/>
+                </a:schemeClr>
+              </a:solidFill>
+            </a:endParaRPr>
+          </a:p>
+        </p:txBody>
+      </p:sp>
+      <p:sp>
+        <p:nvSpPr>
+          <p:cNvPr id="19" name="テキスト ボックス 18"/>
+          <p:cNvSpPr txBox="1"/>
+          <p:nvPr/>
+        </p:nvSpPr>
+        <p:spPr>
+          <a:xfrm>
+            <a:off x="1610738" y="2246495"/>
+            <a:ext cx="373820" cy="307777"/>
+          </a:xfrm>
+          <a:prstGeom prst="rect">
+            <a:avLst/>
+          </a:prstGeom>
+          <a:noFill/>
+        </p:spPr>
+        <p:txBody>
+          <a:bodyPr wrap="none" rtlCol="0">
+            <a:spAutoFit/>
+          </a:bodyPr>
+          <a:lstStyle/>
+          <a:p>
+            <a:r>
+              <a:rPr kumimoji="1" lang="en-US" altLang="ja-JP" sz="1400" smtClean="0">
+                <a:solidFill>
+                  <a:schemeClr val="tx1">
+                    <a:lumMod val="50000"/>
+                    <a:lumOff val="50000"/>
+                  </a:schemeClr>
+                </a:solidFill>
+              </a:rPr>
+              <a:t>PC</a:t>
+            </a:r>
+            <a:endParaRPr kumimoji="1" lang="ja-JP" altLang="en-US" sz="1400">
+              <a:solidFill>
+                <a:schemeClr val="tx1">
+                  <a:lumMod val="50000"/>
+                  <a:lumOff val="50000"/>
+                </a:schemeClr>
+              </a:solidFill>
+            </a:endParaRPr>
+          </a:p>
+        </p:txBody>
+      </p:sp>
+    </p:spTree>
+    <p:extLst>
+      <p:ext uri="{BB962C8B-B14F-4D97-AF65-F5344CB8AC3E}">
+        <p14:creationId xmlns:p14="http://schemas.microsoft.com/office/powerpoint/2010/main" val="1721927883"/>
+      </p:ext>
+    </p:extLst>
+  </p:cSld>
+  <p:clrMapOvr>
+    <a:masterClrMapping/>
+  </p:clrMapOvr>
+  <p:timing>
+    <p:tnLst>
+      <p:par>
+        <p:cTn id="1" dur="indefinite" restart="never" nodeType="tmRoot"/>
+      </p:par>
+    </p:tnLst>
+  </p:timing>
+</p:sld>
+</file>
+
+<file path=ppt/slides/slide5.xml><?xml version="1.0" encoding="utf-8"?>
+<p:sld xmlns:a="http://schemas.openxmlformats.org/drawingml/2006/main" xmlns:r="http://schemas.openxmlformats.org/officeDocument/2006/relationships" xmlns:p="http://schemas.openxmlformats.org/presentationml/2006/main">
+  <p:cSld>
+    <p:spTree>
+      <p:nvGrpSpPr>
+        <p:cNvPr id="1" name=""/>
+        <p:cNvGrpSpPr/>
+        <p:nvPr/>
+      </p:nvGrpSpPr>
+      <p:grpSpPr>
+        <a:xfrm>
+          <a:off x="0" y="0"/>
+          <a:ext cx="0" cy="0"/>
+          <a:chOff x="0" y="0"/>
+          <a:chExt cx="0" cy="0"/>
+        </a:xfrm>
+      </p:grpSpPr>
+      <p:sp>
+        <p:nvSpPr>
+          <p:cNvPr id="2" name="タイトル 1"/>
+          <p:cNvSpPr>
+            <a:spLocks noGrp="1"/>
+          </p:cNvSpPr>
+          <p:nvPr>
+            <p:ph type="title"/>
+          </p:nvPr>
+        </p:nvSpPr>
+        <p:spPr/>
+        <p:txBody>
+          <a:bodyPr/>
+          <a:lstStyle/>
+          <a:p>
+            <a:r>
+              <a:rPr kumimoji="1" lang="en-US" altLang="ja-JP" smtClean="0"/>
+              <a:t>BLE is designed for IoT</a:t>
+            </a:r>
+            <a:endParaRPr kumimoji="1" lang="ja-JP" altLang="en-US"/>
+          </a:p>
+        </p:txBody>
+      </p:sp>
+      <p:sp>
+        <p:nvSpPr>
+          <p:cNvPr id="3" name="コンテンツ プレースホルダー 2"/>
+          <p:cNvSpPr>
+            <a:spLocks noGrp="1"/>
+          </p:cNvSpPr>
+          <p:nvPr>
+            <p:ph idx="1"/>
+          </p:nvPr>
+        </p:nvSpPr>
+        <p:spPr/>
+        <p:txBody>
+          <a:bodyPr>
+            <a:normAutofit/>
+          </a:bodyPr>
+          <a:lstStyle/>
+          <a:p>
+            <a:r>
+              <a:rPr kumimoji="1" lang="en-US" altLang="ja-JP" smtClean="0"/>
+              <a:t>BLE/Gatt</a:t>
+            </a:r>
+            <a:r>
+              <a:rPr lang="ja-JP" altLang="en-US"/>
+              <a:t> </a:t>
+            </a:r>
+            <a:r>
+              <a:rPr lang="en-US" altLang="ja-JP" smtClean="0"/>
+              <a:t>profile:</a:t>
+            </a:r>
+          </a:p>
+          <a:p>
+            <a:pPr lvl="1"/>
+            <a:r>
+              <a:rPr lang="en-US" altLang="ja-JP" smtClean="0"/>
+              <a:t>modled after read/write to I/O ports</a:t>
+            </a:r>
+          </a:p>
+          <a:p>
+            <a:pPr lvl="1"/>
+            <a:r>
+              <a:rPr lang="en-US" altLang="ja-JP" sz="2400"/>
+              <a:t>a</a:t>
+            </a:r>
+            <a:r>
+              <a:rPr lang="en-US" altLang="ja-JP" sz="2400" smtClean="0"/>
+              <a:t>llows small amount of data exchange in one or two packets</a:t>
+            </a:r>
+            <a:endParaRPr lang="en-US" altLang="ja-JP" sz="2400"/>
+          </a:p>
+          <a:p>
+            <a:r>
+              <a:rPr lang="en-US" altLang="ja-JP" smtClean="0"/>
+              <a:t>This indicates access to edge devices is a goal:</a:t>
+            </a:r>
+          </a:p>
+          <a:p>
+            <a:pPr lvl="1"/>
+            <a:r>
+              <a:rPr lang="en-US" altLang="ja-JP" smtClean="0"/>
+              <a:t>Sensors</a:t>
+            </a:r>
+          </a:p>
+          <a:p>
+            <a:pPr lvl="1"/>
+            <a:r>
+              <a:rPr lang="en-US" altLang="ja-JP" smtClean="0"/>
+              <a:t>Controllers</a:t>
+            </a:r>
+            <a:r>
+              <a:rPr lang="ja-JP" altLang="en-US" smtClean="0"/>
+              <a:t> </a:t>
+            </a:r>
+            <a:r>
+              <a:rPr lang="en-US" altLang="ja-JP" smtClean="0"/>
+              <a:t>(actuators)</a:t>
+            </a:r>
+          </a:p>
+          <a:p>
+            <a:endParaRPr lang="en-US" altLang="ja-JP" smtClean="0"/>
+          </a:p>
+          <a:p>
+            <a:pPr marL="0" indent="0">
+              <a:buNone/>
+            </a:pPr>
+            <a:endParaRPr lang="en-US" altLang="ja-JP"/>
+          </a:p>
+          <a:p>
+            <a:pPr marL="0" indent="0">
+              <a:buNone/>
+            </a:pPr>
+            <a:endParaRPr lang="en-US" altLang="ja-JP"/>
+          </a:p>
+          <a:p>
+            <a:pPr marL="0" indent="0">
+              <a:buNone/>
+            </a:pPr>
+            <a:endParaRPr lang="en-US" altLang="ja-JP" smtClean="0"/>
+          </a:p>
+          <a:p>
+            <a:pPr marL="0" indent="0">
+              <a:buNone/>
+            </a:pPr>
+            <a:endParaRPr lang="en-US" altLang="ja-JP"/>
+          </a:p>
+          <a:p>
+            <a:pPr marL="0" indent="0">
+              <a:buNone/>
+            </a:pPr>
+            <a:endParaRPr lang="en-US" altLang="ja-JP" smtClean="0"/>
+          </a:p>
+          <a:p>
+            <a:pPr marL="0" indent="0">
+              <a:buNone/>
+            </a:pPr>
+            <a:endParaRPr kumimoji="1" lang="en-US" altLang="ja-JP"/>
+          </a:p>
+          <a:p>
+            <a:pPr marL="0" indent="0">
+              <a:buNone/>
+            </a:pPr>
+            <a:endParaRPr kumimoji="1" lang="ja-JP" altLang="en-US"/>
+          </a:p>
+        </p:txBody>
+      </p:sp>
+    </p:spTree>
+    <p:extLst>
+      <p:ext uri="{BB962C8B-B14F-4D97-AF65-F5344CB8AC3E}">
+        <p14:creationId xmlns:p14="http://schemas.microsoft.com/office/powerpoint/2010/main" val="3654543916"/>
+      </p:ext>
+    </p:extLst>
+  </p:cSld>
+  <p:clrMapOvr>
+    <a:masterClrMapping/>
+  </p:clrMapOvr>
+  <p:timing>
+    <p:tnLst>
+      <p:par>
+        <p:cTn id="1" dur="indefinite" restart="never" nodeType="tmRoot"/>
+      </p:par>
+    </p:tnLst>
+  </p:timing>
+</p:sld>
+</file>
+
+<file path=ppt/slides/slide6.xml><?xml version="1.0" encoding="utf-8"?>
+<p:sld xmlns:a="http://schemas.openxmlformats.org/drawingml/2006/main" xmlns:r="http://schemas.openxmlformats.org/officeDocument/2006/relationships" xmlns:p="http://schemas.openxmlformats.org/presentationml/2006/main">
+  <p:cSld>
+    <p:spTree>
+      <p:nvGrpSpPr>
+        <p:cNvPr id="1" name=""/>
+        <p:cNvGrpSpPr/>
+        <p:nvPr/>
+      </p:nvGrpSpPr>
+      <p:grpSpPr>
+        <a:xfrm>
+          <a:off x="0" y="0"/>
+          <a:ext cx="0" cy="0"/>
+          <a:chOff x="0" y="0"/>
+          <a:chExt cx="0" cy="0"/>
+        </a:xfrm>
+      </p:grpSpPr>
+      <p:sp>
+        <p:nvSpPr>
+          <p:cNvPr id="2" name="タイトル 1"/>
+          <p:cNvSpPr>
+            <a:spLocks noGrp="1"/>
+          </p:cNvSpPr>
+          <p:nvPr>
+            <p:ph type="title"/>
+          </p:nvPr>
+        </p:nvSpPr>
+        <p:spPr/>
+        <p:txBody>
+          <a:bodyPr/>
+          <a:lstStyle/>
+          <a:p>
+            <a:r>
+              <a:rPr kumimoji="1" lang="en-US" altLang="ja-JP" smtClean="0"/>
+              <a:t>Gateway plays a Key role</a:t>
+            </a:r>
+            <a:endParaRPr kumimoji="1" lang="ja-JP" altLang="en-US"/>
+          </a:p>
+        </p:txBody>
+      </p:sp>
+      <p:sp>
+        <p:nvSpPr>
+          <p:cNvPr id="3" name="正方形/長方形 2"/>
+          <p:cNvSpPr/>
+          <p:nvPr/>
+        </p:nvSpPr>
+        <p:spPr>
+          <a:xfrm>
+            <a:off x="3848772" y="3264180"/>
+            <a:ext cx="1296144" cy="936103"/>
+          </a:xfrm>
+          <a:prstGeom prst="rect">
+            <a:avLst/>
+          </a:prstGeom>
+          <a:solidFill>
+            <a:schemeClr val="accent1">
+              <a:lumMod val="20000"/>
+              <a:lumOff val="80000"/>
+            </a:schemeClr>
+          </a:solidFill>
+          <a:ln w="3175">
+            <a:prstDash val="sysDot"/>
+          </a:ln>
+        </p:spPr>
+        <p:style>
+          <a:lnRef idx="2">
+            <a:schemeClr val="accent1">
+              <a:shade val="50000"/>
+            </a:schemeClr>
+          </a:lnRef>
+          <a:fillRef idx="1">
+            <a:schemeClr val="accent1"/>
+          </a:fillRef>
+          <a:effectRef idx="0">
+            <a:schemeClr val="accent1"/>
+          </a:effectRef>
+          <a:fontRef idx="minor">
+            <a:schemeClr val="lt1"/>
+          </a:fontRef>
+        </p:style>
+        <p:txBody>
+          <a:bodyPr rtlCol="0" anchor="ctr"/>
+          <a:lstStyle/>
+          <a:p>
+            <a:pPr algn="ctr"/>
             <a:r>
               <a:rPr kumimoji="1" lang="en-US" altLang="ja-JP" smtClean="0">
                 <a:solidFill>
@@ -3737,35 +5806,7 @@
               </a:rPr>
               <a:t>Gateway</a:t>
             </a:r>
-          </a:p>
-          <a:p>
-            <a:pPr algn="ctr"/>
-            <a:r>
-              <a:rPr lang="en-US" altLang="ja-JP" smtClean="0">
-                <a:solidFill>
-                  <a:schemeClr val="tx1">
-                    <a:lumMod val="50000"/>
-                    <a:lumOff val="50000"/>
-                  </a:schemeClr>
-                </a:solidFill>
-              </a:rPr>
-              <a:t>to/from</a:t>
-            </a:r>
-          </a:p>
-          <a:p>
-            <a:pPr algn="ctr"/>
-            <a:r>
-              <a:rPr kumimoji="1" lang="en-US" altLang="ja-JP" smtClean="0">
-                <a:solidFill>
-                  <a:schemeClr val="tx1">
-                    <a:lumMod val="50000"/>
-                    <a:lumOff val="50000"/>
-                  </a:schemeClr>
-                </a:solidFill>
-              </a:rPr>
-              <a:t>Internet</a:t>
-            </a:r>
-            <a:endParaRPr kumimoji="1" lang="ja-JP" altLang="en-US">
+            <a:endParaRPr kumimoji="1" lang="en-US" altLang="ja-JP" smtClean="0">
               <a:solidFill>
                 <a:schemeClr val="tx1">
                   <a:lumMod val="50000"/>
@@ -4493,67 +6534,6 @@
       </p:sp>
       <p:sp>
         <p:nvSpPr>
-          <p:cNvPr id="48" name="フローチャート : 定義済み処理 47"/>
-          <p:cNvSpPr/>
-          <p:nvPr/>
-        </p:nvSpPr>
-        <p:spPr>
-          <a:xfrm>
-            <a:off x="680420" y="2695654"/>
-            <a:ext cx="864096" cy="557799"/>
-          </a:xfrm>
-          <a:prstGeom prst="flowChartPredefinedProcess">
-            <a:avLst/>
-          </a:prstGeom>
-          <a:solidFill>
-            <a:schemeClr val="accent1">
-              <a:lumMod val="20000"/>
-              <a:lumOff val="80000"/>
-            </a:schemeClr>
-          </a:solidFill>
-          <a:ln w="3175">
-            <a:prstDash val="sysDot"/>
-          </a:ln>
-        </p:spPr>
-        <p:style>
-          <a:lnRef idx="2">
-            <a:schemeClr val="accent1">
-              <a:shade val="50000"/>
-            </a:schemeClr>
-          </a:lnRef>
-          <a:fillRef idx="1">
-            <a:schemeClr val="accent1"/>
-          </a:fillRef>
-          <a:effectRef idx="0">
-            <a:schemeClr val="accent1"/>
-          </a:effectRef>
-          <a:fontRef idx="minor">
-            <a:schemeClr val="lt1"/>
-          </a:fontRef>
-        </p:style>
-        <p:txBody>
-          <a:bodyPr rot="0" spcFirstLastPara="0" vertOverflow="overflow" horzOverflow="overflow" vert="horz" wrap="square" lIns="91440" tIns="45720" rIns="91440" bIns="45720" numCol="1" spcCol="0" rtlCol="0" fromWordArt="0" anchor="ctr" anchorCtr="0" forceAA="0" compatLnSpc="1">
-            <a:prstTxWarp prst="textNoShape">
-              <a:avLst/>
-            </a:prstTxWarp>
-            <a:noAutofit/>
-          </a:bodyPr>
-          <a:lstStyle/>
-          <a:p>
-            <a:pPr algn="ctr"/>
-            <a:endParaRPr kumimoji="1" lang="ja-JP" altLang="en-US" smtClean="0">
-              <a:solidFill>
-                <a:schemeClr val="tx1">
-                  <a:lumMod val="50000"/>
-                  <a:lumOff val="50000"/>
-                </a:schemeClr>
-              </a:solidFill>
-            </a:endParaRPr>
-          </a:p>
-        </p:txBody>
-      </p:sp>
-      <p:sp>
-        <p:nvSpPr>
           <p:cNvPr id="49" name="テキスト ボックス 48"/>
           <p:cNvSpPr txBox="1"/>
           <p:nvPr/>
@@ -4596,56 +6576,11 @@
           </a:p>
         </p:txBody>
       </p:sp>
-      <p:sp>
-        <p:nvSpPr>
-          <p:cNvPr id="50" name="テキスト ボックス 49"/>
-          <p:cNvSpPr txBox="1"/>
-          <p:nvPr/>
-        </p:nvSpPr>
-        <p:spPr>
-          <a:xfrm>
-            <a:off x="914812" y="2412997"/>
-            <a:ext cx="373820" cy="307777"/>
-          </a:xfrm>
-          <a:prstGeom prst="rect">
-            <a:avLst/>
-          </a:prstGeom>
-          <a:noFill/>
-        </p:spPr>
-        <p:txBody>
-          <a:bodyPr wrap="none" rtlCol="0">
-            <a:spAutoFit/>
-          </a:bodyPr>
-          <a:lstStyle/>
-          <a:p>
-            <a:r>
-              <a:rPr kumimoji="1" lang="en-US" altLang="ja-JP" sz="1400" smtClean="0">
-                <a:solidFill>
-                  <a:schemeClr val="tx1">
-                    <a:lumMod val="50000"/>
-                    <a:lumOff val="50000"/>
-                  </a:schemeClr>
-                </a:solidFill>
-              </a:rPr>
-              <a:t>PC</a:t>
-            </a:r>
-            <a:endParaRPr kumimoji="1" lang="ja-JP" altLang="en-US" sz="1400">
-              <a:solidFill>
-                <a:schemeClr val="tx1">
-                  <a:lumMod val="50000"/>
-                  <a:lumOff val="50000"/>
-                </a:schemeClr>
-              </a:solidFill>
-            </a:endParaRPr>
-          </a:p>
-        </p:txBody>
-      </p:sp>
       <p:cxnSp>
         <p:nvCxnSpPr>
           <p:cNvPr id="52" name="直線矢印コネクタ 51"/>
           <p:cNvCxnSpPr>
             <a:stCxn id="4" idx="0"/>
-            <a:endCxn id="48" idx="3"/>
           </p:cNvCxnSpPr>
           <p:nvPr/>
         </p:nvCxnSpPr>
@@ -4950,6 +6885,111 @@
           </a:p>
         </p:txBody>
       </p:sp>
+      <p:sp>
+        <p:nvSpPr>
+          <p:cNvPr id="34" name="フローチャート : 定義済み処理 33"/>
+          <p:cNvSpPr/>
+          <p:nvPr/>
+        </p:nvSpPr>
+        <p:spPr>
+          <a:xfrm>
+            <a:off x="739627" y="2761145"/>
+            <a:ext cx="804889" cy="426817"/>
+          </a:xfrm>
+          <a:prstGeom prst="flowChartPredefinedProcess">
+            <a:avLst/>
+          </a:prstGeom>
+          <a:solidFill>
+            <a:schemeClr val="accent1">
+              <a:lumMod val="20000"/>
+              <a:lumOff val="80000"/>
+            </a:schemeClr>
+          </a:solidFill>
+          <a:ln w="3175">
+            <a:prstDash val="sysDot"/>
+          </a:ln>
+        </p:spPr>
+        <p:style>
+          <a:lnRef idx="2">
+            <a:schemeClr val="accent1">
+              <a:shade val="50000"/>
+            </a:schemeClr>
+          </a:lnRef>
+          <a:fillRef idx="1">
+            <a:schemeClr val="accent1"/>
+          </a:fillRef>
+          <a:effectRef idx="0">
+            <a:schemeClr val="accent1"/>
+          </a:effectRef>
+          <a:fontRef idx="minor">
+            <a:schemeClr val="lt1"/>
+          </a:fontRef>
+        </p:style>
+        <p:txBody>
+          <a:bodyPr rot="0" spcFirstLastPara="0" vertOverflow="overflow" horzOverflow="overflow" vert="horz" wrap="square" lIns="91440" tIns="45720" rIns="91440" bIns="45720" numCol="1" spcCol="0" rtlCol="0" fromWordArt="0" anchor="ctr" anchorCtr="0" forceAA="0" compatLnSpc="1">
+            <a:prstTxWarp prst="textNoShape">
+              <a:avLst/>
+            </a:prstTxWarp>
+            <a:noAutofit/>
+          </a:bodyPr>
+          <a:lstStyle/>
+          <a:p>
+            <a:pPr algn="ctr"/>
+            <a:endParaRPr kumimoji="1" lang="ja-JP" altLang="en-US" smtClean="0">
+              <a:solidFill>
+                <a:schemeClr val="tx1">
+                  <a:lumMod val="50000"/>
+                  <a:lumOff val="50000"/>
+                </a:schemeClr>
+              </a:solidFill>
+            </a:endParaRPr>
+          </a:p>
+        </p:txBody>
+      </p:sp>
+      <p:sp>
+        <p:nvSpPr>
+          <p:cNvPr id="35" name="テキスト ボックス 34"/>
+          <p:cNvSpPr txBox="1"/>
+          <p:nvPr/>
+        </p:nvSpPr>
+        <p:spPr>
+          <a:xfrm>
+            <a:off x="946029" y="2507365"/>
+            <a:ext cx="373820" cy="307777"/>
+          </a:xfrm>
+          <a:prstGeom prst="rect">
+            <a:avLst/>
+          </a:prstGeom>
+          <a:noFill/>
+        </p:spPr>
+        <p:txBody>
+          <a:bodyPr wrap="none" rtlCol="0">
+            <a:spAutoFit/>
+          </a:bodyPr>
+          <a:lstStyle/>
+          <a:p>
+            <a:r>
+              <a:rPr kumimoji="1" lang="en-US" altLang="ja-JP" sz="1400" smtClean="0">
+                <a:solidFill>
+                  <a:schemeClr val="tx1">
+                    <a:lumMod val="50000"/>
+                    <a:lumOff val="50000"/>
+                  </a:schemeClr>
+                </a:solidFill>
+              </a:rPr>
+              <a:t>PC</a:t>
+            </a:r>
+            <a:endParaRPr kumimoji="1" lang="ja-JP" altLang="en-US" sz="1400">
+              <a:solidFill>
+                <a:schemeClr val="tx1">
+                  <a:lumMod val="50000"/>
+                  <a:lumOff val="50000"/>
+                </a:schemeClr>
+              </a:solidFill>
+            </a:endParaRPr>
+          </a:p>
+        </p:txBody>
+      </p:sp>
     </p:spTree>
     <p:extLst>
       <p:ext uri="{BB962C8B-B14F-4D97-AF65-F5344CB8AC3E}">
@@ -4960,10 +7000,17 @@
   <p:clrMapOvr>
     <a:masterClrMapping/>
   </p:clrMapOvr>
+  <p:timing>
+    <p:tnLst>
+      <p:par>
+        <p:cTn id="1" dur="indefinite" restart="never" nodeType="tmRoot"/>
+      </p:par>
+    </p:tnLst>
+  </p:timing>
 </p:sld>
 </file>
 
-<file path=ppt/slides/slide4.xml><?xml version="1.0" encoding="utf-8"?>
+<file path=ppt/slides/slide7.xml><?xml version="1.0" encoding="utf-8"?>
 <p:sld xmlns:a="http://schemas.openxmlformats.org/drawingml/2006/main" xmlns:r="http://schemas.openxmlformats.org/officeDocument/2006/relationships" xmlns:p="http://schemas.openxmlformats.org/presentationml/2006/main">
   <p:cSld>
     <p:spTree>
@@ -5059,35 +7106,7 @@
               </a:rPr>
               <a:t>Gateway</a:t>
             </a:r>
-          </a:p>
-          <a:p>
-            <a:pPr algn="ctr"/>
-            <a:r>
-              <a:rPr lang="en-US" altLang="ja-JP" smtClean="0">
-                <a:solidFill>
-                  <a:schemeClr val="tx1">
-                    <a:lumMod val="50000"/>
-                    <a:lumOff val="50000"/>
-                  </a:schemeClr>
-                </a:solidFill>
-              </a:rPr>
-              <a:t>to/from</a:t>
-            </a:r>
-          </a:p>
-          <a:p>
-            <a:pPr algn="ctr"/>
-            <a:r>
-              <a:rPr kumimoji="1" lang="en-US" altLang="ja-JP" smtClean="0">
-                <a:solidFill>
-                  <a:schemeClr val="tx1">
-                    <a:lumMod val="50000"/>
-                    <a:lumOff val="50000"/>
-                  </a:schemeClr>
-                </a:solidFill>
-              </a:rPr>
-              <a:t>Internet</a:t>
-            </a:r>
-            <a:endParaRPr kumimoji="1" lang="ja-JP" altLang="en-US">
+            <a:endParaRPr kumimoji="1" lang="en-US" altLang="ja-JP" smtClean="0">
               <a:solidFill>
                 <a:schemeClr val="tx1">
                   <a:lumMod val="50000"/>
@@ -5681,10 +7700,17 @@
   <p:clrMapOvr>
     <a:masterClrMapping/>
   </p:clrMapOvr>
+  <p:timing>
+    <p:tnLst>
+      <p:par>
+        <p:cTn id="1" dur="indefinite" restart="never" nodeType="tmRoot"/>
+      </p:par>
+    </p:tnLst>
+  </p:timing>
 </p:sld>
 </file>
 
-<file path=ppt/slides/slide5.xml><?xml version="1.0" encoding="utf-8"?>
+<file path=ppt/slides/slide8.xml><?xml version="1.0" encoding="utf-8"?>
 <p:sld xmlns:a="http://schemas.openxmlformats.org/drawingml/2006/main" xmlns:r="http://schemas.openxmlformats.org/officeDocument/2006/relationships" xmlns:p="http://schemas.openxmlformats.org/presentationml/2006/main">
   <p:cSld>
     <p:spTree>
@@ -5771,7 +7797,6 @@
               <a:rPr kumimoji="1" lang="en-US" altLang="ja-JP" sz="2800" smtClean="0"/>
               <a:t>controller</a:t>
             </a:r>
-            <a:endParaRPr kumimoji="1" lang="en-US" altLang="ja-JP" sz="2800" smtClean="0"/>
           </a:p>
           <a:p>
             <a:pPr lvl="1"/>
@@ -5784,17 +7809,12 @@
           <a:p>
             <a:r>
               <a:rPr lang="en-US" altLang="ja-JP" sz="2800"/>
-              <a:t>BLE sensor sends an HTTP request </a:t>
-            </a:r>
-            <a:r>
-              <a:rPr lang="en-US" altLang="ja-JP" sz="2800"/>
-              <a:t>to </a:t>
+              <a:t>BLE sensor sends an HTTP request to </a:t>
             </a:r>
             <a:r>
               <a:rPr lang="en-US" altLang="ja-JP" sz="2800" smtClean="0"/>
               <a:t>the cloud</a:t>
             </a:r>
-            <a:endParaRPr lang="en-US" altLang="ja-JP" sz="2800" smtClean="0"/>
           </a:p>
           <a:p>
             <a:pPr lvl="1"/>
@@ -5866,6 +7886,13 @@
   <p:clrMapOvr>
     <a:masterClrMapping/>
   </p:clrMapOvr>
+  <p:timing>
+    <p:tnLst>
+      <p:par>
+        <p:cTn id="1" dur="indefinite" restart="never" nodeType="tmRoot"/>
+      </p:par>
+    </p:tnLst>
+  </p:timing>
 </p:sld>
 </file>
 

--- a/BLE-for-IoT-en.pptx
+++ b/BLE-for-IoT-en.pptx
@@ -13,6 +13,7 @@
     <p:sldId id="259" r:id="rId7"/>
     <p:sldId id="262" r:id="rId8"/>
     <p:sldId id="260" r:id="rId9"/>
+    <p:sldId id="267" r:id="rId10"/>
   </p:sldIdLst>
   <p:sldSz cx="9144000" cy="6858000" type="screen4x3"/>
   <p:notesSz cx="6858000" cy="9144000"/>
@@ -295,7 +296,7 @@
           <a:p>
             <a:fld id="{EEBDF196-FA60-4253-85AB-4CAF61A882F1}" type="datetimeFigureOut">
               <a:rPr kumimoji="1" lang="ja-JP" altLang="en-US" smtClean="0"/>
-              <a:t>2018/11/24</a:t>
+              <a:t>2019/1/2</a:t>
             </a:fld>
             <a:endParaRPr kumimoji="1" lang="ja-JP" altLang="en-US"/>
           </a:p>
@@ -497,7 +498,7 @@
           <a:p>
             <a:fld id="{EEBDF196-FA60-4253-85AB-4CAF61A882F1}" type="datetimeFigureOut">
               <a:rPr kumimoji="1" lang="ja-JP" altLang="en-US" smtClean="0"/>
-              <a:t>2018/11/24</a:t>
+              <a:t>2019/1/2</a:t>
             </a:fld>
             <a:endParaRPr kumimoji="1" lang="ja-JP" altLang="en-US"/>
           </a:p>
@@ -709,7 +710,7 @@
           <a:p>
             <a:fld id="{EEBDF196-FA60-4253-85AB-4CAF61A882F1}" type="datetimeFigureOut">
               <a:rPr kumimoji="1" lang="ja-JP" altLang="en-US" smtClean="0"/>
-              <a:t>2018/11/24</a:t>
+              <a:t>2019/1/2</a:t>
             </a:fld>
             <a:endParaRPr kumimoji="1" lang="ja-JP" altLang="en-US"/>
           </a:p>
@@ -911,7 +912,7 @@
           <a:p>
             <a:fld id="{EEBDF196-FA60-4253-85AB-4CAF61A882F1}" type="datetimeFigureOut">
               <a:rPr kumimoji="1" lang="ja-JP" altLang="en-US" smtClean="0"/>
-              <a:t>2018/11/24</a:t>
+              <a:t>2019/1/2</a:t>
             </a:fld>
             <a:endParaRPr kumimoji="1" lang="ja-JP" altLang="en-US"/>
           </a:p>
@@ -1157,7 +1158,7 @@
           <a:p>
             <a:fld id="{EEBDF196-FA60-4253-85AB-4CAF61A882F1}" type="datetimeFigureOut">
               <a:rPr kumimoji="1" lang="ja-JP" altLang="en-US" smtClean="0"/>
-              <a:t>2018/11/24</a:t>
+              <a:t>2019/1/2</a:t>
             </a:fld>
             <a:endParaRPr kumimoji="1" lang="ja-JP" altLang="en-US"/>
           </a:p>
@@ -1509,7 +1510,7 @@
           <a:p>
             <a:fld id="{EEBDF196-FA60-4253-85AB-4CAF61A882F1}" type="datetimeFigureOut">
               <a:rPr kumimoji="1" lang="ja-JP" altLang="en-US" smtClean="0"/>
-              <a:t>2018/11/24</a:t>
+              <a:t>2019/1/2</a:t>
             </a:fld>
             <a:endParaRPr kumimoji="1" lang="ja-JP" altLang="en-US"/>
           </a:p>
@@ -1995,7 +1996,7 @@
           <a:p>
             <a:fld id="{EEBDF196-FA60-4253-85AB-4CAF61A882F1}" type="datetimeFigureOut">
               <a:rPr kumimoji="1" lang="ja-JP" altLang="en-US" smtClean="0"/>
-              <a:t>2018/11/24</a:t>
+              <a:t>2019/1/2</a:t>
             </a:fld>
             <a:endParaRPr kumimoji="1" lang="ja-JP" altLang="en-US"/>
           </a:p>
@@ -2113,7 +2114,7 @@
           <a:p>
             <a:fld id="{EEBDF196-FA60-4253-85AB-4CAF61A882F1}" type="datetimeFigureOut">
               <a:rPr kumimoji="1" lang="ja-JP" altLang="en-US" smtClean="0"/>
-              <a:t>2018/11/24</a:t>
+              <a:t>2019/1/2</a:t>
             </a:fld>
             <a:endParaRPr kumimoji="1" lang="ja-JP" altLang="en-US"/>
           </a:p>
@@ -2208,7 +2209,7 @@
           <a:p>
             <a:fld id="{EEBDF196-FA60-4253-85AB-4CAF61A882F1}" type="datetimeFigureOut">
               <a:rPr kumimoji="1" lang="ja-JP" altLang="en-US" smtClean="0"/>
-              <a:t>2018/11/24</a:t>
+              <a:t>2019/1/2</a:t>
             </a:fld>
             <a:endParaRPr kumimoji="1" lang="ja-JP" altLang="en-US"/>
           </a:p>
@@ -2517,7 +2518,7 @@
           <a:p>
             <a:fld id="{EEBDF196-FA60-4253-85AB-4CAF61A882F1}" type="datetimeFigureOut">
               <a:rPr kumimoji="1" lang="ja-JP" altLang="en-US" smtClean="0"/>
-              <a:t>2018/11/24</a:t>
+              <a:t>2019/1/2</a:t>
             </a:fld>
             <a:endParaRPr kumimoji="1" lang="ja-JP" altLang="en-US"/>
           </a:p>
@@ -2770,7 +2771,7 @@
           <a:p>
             <a:fld id="{EEBDF196-FA60-4253-85AB-4CAF61A882F1}" type="datetimeFigureOut">
               <a:rPr kumimoji="1" lang="ja-JP" altLang="en-US" smtClean="0"/>
-              <a:t>2018/11/24</a:t>
+              <a:t>2019/1/2</a:t>
             </a:fld>
             <a:endParaRPr kumimoji="1" lang="ja-JP" altLang="en-US"/>
           </a:p>
@@ -3015,7 +3016,7 @@
           <a:p>
             <a:fld id="{EEBDF196-FA60-4253-85AB-4CAF61A882F1}" type="datetimeFigureOut">
               <a:rPr kumimoji="1" lang="ja-JP" altLang="en-US" smtClean="0"/>
-              <a:t>2018/11/24</a:t>
+              <a:t>2019/1/2</a:t>
             </a:fld>
             <a:endParaRPr kumimoji="1" lang="ja-JP" altLang="en-US"/>
           </a:p>
@@ -3407,7 +3408,7 @@
           <a:p>
             <a:r>
               <a:rPr kumimoji="1" lang="en-US" altLang="ja-JP" smtClean="0"/>
-              <a:t>BLE for IoT</a:t>
+              <a:t>BLE-IoT-Gwy</a:t>
             </a:r>
             <a:endParaRPr kumimoji="1" lang="ja-JP" altLang="en-US"/>
           </a:p>
@@ -3444,7 +3445,7 @@
           <a:p>
             <a:r>
               <a:rPr kumimoji="1" lang="en-US" altLang="ja-JP" smtClean="0"/>
-              <a:t>2018/11/25 </a:t>
+              <a:t>2019/01/02 </a:t>
             </a:r>
             <a:r>
               <a:rPr kumimoji="1" lang="en-US" altLang="ja-JP" smtClean="0"/>
@@ -5806,14 +5807,6 @@
               </a:rPr>
               <a:t>Gateway</a:t>
             </a:r>
-            <a:endParaRPr kumimoji="1" lang="en-US" altLang="ja-JP" smtClean="0">
-              <a:solidFill>
-                <a:schemeClr val="tx1">
-                  <a:lumMod val="50000"/>
-                  <a:lumOff val="50000"/>
-                </a:schemeClr>
-              </a:solidFill>
-            </a:endParaRPr>
           </a:p>
         </p:txBody>
       </p:sp>
@@ -7106,14 +7099,6 @@
               </a:rPr>
               <a:t>Gateway</a:t>
             </a:r>
-            <a:endParaRPr kumimoji="1" lang="en-US" altLang="ja-JP" smtClean="0">
-              <a:solidFill>
-                <a:schemeClr val="tx1">
-                  <a:lumMod val="50000"/>
-                  <a:lumOff val="50000"/>
-                </a:schemeClr>
-              </a:solidFill>
-            </a:endParaRPr>
           </a:p>
         </p:txBody>
       </p:sp>
@@ -7880,6 +7865,851 @@
     <p:extLst>
       <p:ext uri="{BB962C8B-B14F-4D97-AF65-F5344CB8AC3E}">
         <p14:creationId xmlns:p14="http://schemas.microsoft.com/office/powerpoint/2010/main" val="1867129352"/>
+      </p:ext>
+    </p:extLst>
+  </p:cSld>
+  <p:clrMapOvr>
+    <a:masterClrMapping/>
+  </p:clrMapOvr>
+  <p:timing>
+    <p:tnLst>
+      <p:par>
+        <p:cTn id="1" dur="indefinite" restart="never" nodeType="tmRoot"/>
+      </p:par>
+    </p:tnLst>
+  </p:timing>
+</p:sld>
+</file>
+
+<file path=ppt/slides/slide9.xml><?xml version="1.0" encoding="utf-8"?>
+<p:sld xmlns:a="http://schemas.openxmlformats.org/drawingml/2006/main" xmlns:r="http://schemas.openxmlformats.org/officeDocument/2006/relationships" xmlns:p="http://schemas.openxmlformats.org/presentationml/2006/main">
+  <p:cSld>
+    <p:spTree>
+      <p:nvGrpSpPr>
+        <p:cNvPr id="1" name=""/>
+        <p:cNvGrpSpPr/>
+        <p:nvPr/>
+      </p:nvGrpSpPr>
+      <p:grpSpPr>
+        <a:xfrm>
+          <a:off x="0" y="0"/>
+          <a:ext cx="0" cy="0"/>
+          <a:chOff x="0" y="0"/>
+          <a:chExt cx="0" cy="0"/>
+        </a:xfrm>
+      </p:grpSpPr>
+      <p:sp>
+        <p:nvSpPr>
+          <p:cNvPr id="2" name="タイトル 1"/>
+          <p:cNvSpPr>
+            <a:spLocks noGrp="1"/>
+          </p:cNvSpPr>
+          <p:nvPr>
+            <p:ph type="title"/>
+          </p:nvPr>
+        </p:nvSpPr>
+        <p:spPr>
+          <a:xfrm>
+            <a:off x="457200" y="282647"/>
+            <a:ext cx="8229600" cy="1143000"/>
+          </a:xfrm>
+        </p:spPr>
+        <p:txBody>
+          <a:bodyPr/>
+          <a:lstStyle/>
+          <a:p>
+            <a:r>
+              <a:rPr lang="en-US" altLang="ja-JP" smtClean="0"/>
+              <a:t>Gateway </a:t>
+            </a:r>
+            <a:r>
+              <a:rPr lang="en-US" altLang="ja-JP"/>
+              <a:t>Architecture</a:t>
+            </a:r>
+            <a:endParaRPr kumimoji="1" lang="ja-JP" altLang="en-US"/>
+          </a:p>
+        </p:txBody>
+      </p:sp>
+      <p:sp>
+        <p:nvSpPr>
+          <p:cNvPr id="3" name="正方形/長方形 2"/>
+          <p:cNvSpPr/>
+          <p:nvPr/>
+        </p:nvSpPr>
+        <p:spPr>
+          <a:xfrm>
+            <a:off x="2569536" y="2276872"/>
+            <a:ext cx="4004927" cy="2952328"/>
+          </a:xfrm>
+          <a:prstGeom prst="rect">
+            <a:avLst/>
+          </a:prstGeom>
+          <a:noFill/>
+          <a:ln w="3175">
+            <a:solidFill>
+              <a:schemeClr val="bg2">
+                <a:lumMod val="75000"/>
+              </a:schemeClr>
+            </a:solidFill>
+            <a:prstDash val="sysDot"/>
+          </a:ln>
+        </p:spPr>
+        <p:style>
+          <a:lnRef idx="2">
+            <a:schemeClr val="accent1">
+              <a:shade val="50000"/>
+            </a:schemeClr>
+          </a:lnRef>
+          <a:fillRef idx="1">
+            <a:schemeClr val="accent1"/>
+          </a:fillRef>
+          <a:effectRef idx="0">
+            <a:schemeClr val="accent1"/>
+          </a:effectRef>
+          <a:fontRef idx="minor">
+            <a:schemeClr val="lt1"/>
+          </a:fontRef>
+        </p:style>
+        <p:txBody>
+          <a:bodyPr rtlCol="0" anchor="ctr"/>
+          <a:lstStyle/>
+          <a:p>
+            <a:pPr algn="ctr"/>
+            <a:endParaRPr kumimoji="1" lang="en-US" altLang="ja-JP" smtClean="0">
+              <a:solidFill>
+                <a:schemeClr val="tx1">
+                  <a:lumMod val="50000"/>
+                  <a:lumOff val="50000"/>
+                </a:schemeClr>
+              </a:solidFill>
+            </a:endParaRPr>
+          </a:p>
+        </p:txBody>
+      </p:sp>
+      <p:sp>
+        <p:nvSpPr>
+          <p:cNvPr id="4" name="雲形吹き出し 3"/>
+          <p:cNvSpPr/>
+          <p:nvPr/>
+        </p:nvSpPr>
+        <p:spPr>
+          <a:xfrm>
+            <a:off x="1016274" y="3213828"/>
+            <a:ext cx="1008112" cy="740975"/>
+          </a:xfrm>
+          <a:prstGeom prst="cloudCallout">
+            <a:avLst/>
+          </a:prstGeom>
+          <a:solidFill>
+            <a:schemeClr val="accent1">
+              <a:lumMod val="20000"/>
+              <a:lumOff val="80000"/>
+            </a:schemeClr>
+          </a:solidFill>
+          <a:ln w="3175">
+            <a:prstDash val="sysDot"/>
+          </a:ln>
+        </p:spPr>
+        <p:style>
+          <a:lnRef idx="2">
+            <a:schemeClr val="accent1">
+              <a:shade val="50000"/>
+            </a:schemeClr>
+          </a:lnRef>
+          <a:fillRef idx="1">
+            <a:schemeClr val="accent1"/>
+          </a:fillRef>
+          <a:effectRef idx="0">
+            <a:schemeClr val="accent1"/>
+          </a:effectRef>
+          <a:fontRef idx="minor">
+            <a:schemeClr val="lt1"/>
+          </a:fontRef>
+        </p:style>
+        <p:txBody>
+          <a:bodyPr rot="0" spcFirstLastPara="0" vertOverflow="overflow" horzOverflow="overflow" vert="horz" wrap="square" lIns="91440" tIns="45720" rIns="91440" bIns="45720" numCol="1" spcCol="0" rtlCol="0" fromWordArt="0" anchor="ctr" anchorCtr="0" forceAA="0" compatLnSpc="1">
+            <a:prstTxWarp prst="textNoShape">
+              <a:avLst/>
+            </a:prstTxWarp>
+            <a:noAutofit/>
+          </a:bodyPr>
+          <a:lstStyle/>
+          <a:p>
+            <a:pPr algn="ctr"/>
+            <a:endParaRPr kumimoji="1" lang="ja-JP" altLang="en-US" smtClean="0">
+              <a:solidFill>
+                <a:schemeClr val="tx1">
+                  <a:lumMod val="50000"/>
+                  <a:lumOff val="50000"/>
+                </a:schemeClr>
+              </a:solidFill>
+            </a:endParaRPr>
+          </a:p>
+        </p:txBody>
+      </p:sp>
+      <p:cxnSp>
+        <p:nvCxnSpPr>
+          <p:cNvPr id="37" name="直線矢印コネクタ 36"/>
+          <p:cNvCxnSpPr>
+            <a:stCxn id="39" idx="1"/>
+            <a:endCxn id="18" idx="3"/>
+          </p:cNvCxnSpPr>
+          <p:nvPr/>
+        </p:nvCxnSpPr>
+        <p:spPr>
+          <a:xfrm flipH="1">
+            <a:off x="6176595" y="3748844"/>
+            <a:ext cx="987693" cy="0"/>
+          </a:xfrm>
+          <a:prstGeom prst="straightConnector1">
+            <a:avLst/>
+          </a:prstGeom>
+          <a:ln>
+            <a:headEnd type="arrow"/>
+            <a:tailEnd type="arrow"/>
+          </a:ln>
+        </p:spPr>
+        <p:style>
+          <a:lnRef idx="1">
+            <a:schemeClr val="accent1"/>
+          </a:lnRef>
+          <a:fillRef idx="0">
+            <a:schemeClr val="accent1"/>
+          </a:fillRef>
+          <a:effectRef idx="0">
+            <a:schemeClr val="accent1"/>
+          </a:effectRef>
+          <a:fontRef idx="minor">
+            <a:schemeClr val="tx1"/>
+          </a:fontRef>
+        </p:style>
+      </p:cxnSp>
+      <p:sp>
+        <p:nvSpPr>
+          <p:cNvPr id="72" name="テキスト ボックス 71"/>
+          <p:cNvSpPr txBox="1"/>
+          <p:nvPr/>
+        </p:nvSpPr>
+        <p:spPr>
+          <a:xfrm>
+            <a:off x="1016274" y="4074000"/>
+            <a:ext cx="606256" cy="307777"/>
+          </a:xfrm>
+          <a:prstGeom prst="rect">
+            <a:avLst/>
+          </a:prstGeom>
+          <a:noFill/>
+        </p:spPr>
+        <p:txBody>
+          <a:bodyPr wrap="none" rtlCol="0">
+            <a:spAutoFit/>
+          </a:bodyPr>
+          <a:lstStyle/>
+          <a:p>
+            <a:r>
+              <a:rPr kumimoji="1" lang="en-US" altLang="ja-JP" sz="1400" smtClean="0">
+                <a:solidFill>
+                  <a:schemeClr val="tx1">
+                    <a:lumMod val="50000"/>
+                    <a:lumOff val="50000"/>
+                  </a:schemeClr>
+                </a:solidFill>
+              </a:rPr>
+              <a:t>Cloud</a:t>
+            </a:r>
+            <a:endParaRPr kumimoji="1" lang="ja-JP" altLang="en-US" sz="1400">
+              <a:solidFill>
+                <a:schemeClr val="tx1">
+                  <a:lumMod val="50000"/>
+                  <a:lumOff val="50000"/>
+                </a:schemeClr>
+              </a:solidFill>
+            </a:endParaRPr>
+          </a:p>
+        </p:txBody>
+      </p:sp>
+      <p:sp>
+        <p:nvSpPr>
+          <p:cNvPr id="39" name="正方形/長方形 38"/>
+          <p:cNvSpPr/>
+          <p:nvPr/>
+        </p:nvSpPr>
+        <p:spPr>
+          <a:xfrm>
+            <a:off x="7164288" y="3437299"/>
+            <a:ext cx="1080120" cy="623090"/>
+          </a:xfrm>
+          <a:prstGeom prst="rect">
+            <a:avLst/>
+          </a:prstGeom>
+          <a:solidFill>
+            <a:schemeClr val="accent1">
+              <a:lumMod val="20000"/>
+              <a:lumOff val="80000"/>
+            </a:schemeClr>
+          </a:solidFill>
+          <a:ln w="3175">
+            <a:prstDash val="sysDot"/>
+          </a:ln>
+        </p:spPr>
+        <p:style>
+          <a:lnRef idx="2">
+            <a:schemeClr val="accent1">
+              <a:shade val="50000"/>
+            </a:schemeClr>
+          </a:lnRef>
+          <a:fillRef idx="1">
+            <a:schemeClr val="accent1"/>
+          </a:fillRef>
+          <a:effectRef idx="0">
+            <a:schemeClr val="accent1"/>
+          </a:effectRef>
+          <a:fontRef idx="minor">
+            <a:schemeClr val="lt1"/>
+          </a:fontRef>
+        </p:style>
+        <p:txBody>
+          <a:bodyPr rtlCol="0" anchor="ctr"/>
+          <a:lstStyle/>
+          <a:p>
+            <a:pPr algn="ctr"/>
+            <a:r>
+              <a:rPr kumimoji="1" lang="en-US" altLang="ja-JP" sz="1600" smtClean="0">
+                <a:solidFill>
+                  <a:schemeClr val="tx1">
+                    <a:lumMod val="50000"/>
+                    <a:lumOff val="50000"/>
+                  </a:schemeClr>
+                </a:solidFill>
+              </a:rPr>
+              <a:t>BLE</a:t>
+            </a:r>
+          </a:p>
+          <a:p>
+            <a:pPr algn="ctr"/>
+            <a:r>
+              <a:rPr lang="en-US" altLang="ja-JP" sz="1600" smtClean="0">
+                <a:solidFill>
+                  <a:schemeClr val="tx1">
+                    <a:lumMod val="50000"/>
+                    <a:lumOff val="50000"/>
+                  </a:schemeClr>
+                </a:solidFill>
+              </a:rPr>
+              <a:t>Peripheral</a:t>
+            </a:r>
+            <a:endParaRPr kumimoji="1" lang="ja-JP" altLang="en-US" sz="1600">
+              <a:solidFill>
+                <a:schemeClr val="tx1">
+                  <a:lumMod val="50000"/>
+                  <a:lumOff val="50000"/>
+                </a:schemeClr>
+              </a:solidFill>
+            </a:endParaRPr>
+          </a:p>
+        </p:txBody>
+      </p:sp>
+      <p:sp>
+        <p:nvSpPr>
+          <p:cNvPr id="7" name="正方形/長方形 6"/>
+          <p:cNvSpPr/>
+          <p:nvPr/>
+        </p:nvSpPr>
+        <p:spPr>
+          <a:xfrm>
+            <a:off x="3131840" y="2617228"/>
+            <a:ext cx="1008112" cy="749186"/>
+          </a:xfrm>
+          <a:prstGeom prst="rect">
+            <a:avLst/>
+          </a:prstGeom>
+          <a:solidFill>
+            <a:schemeClr val="accent2">
+              <a:lumMod val="20000"/>
+              <a:lumOff val="80000"/>
+            </a:schemeClr>
+          </a:solidFill>
+          <a:ln w="3175">
+            <a:solidFill>
+              <a:schemeClr val="accent2"/>
+            </a:solidFill>
+            <a:prstDash val="sysDot"/>
+          </a:ln>
+        </p:spPr>
+        <p:style>
+          <a:lnRef idx="2">
+            <a:schemeClr val="accent1">
+              <a:shade val="50000"/>
+            </a:schemeClr>
+          </a:lnRef>
+          <a:fillRef idx="1">
+            <a:schemeClr val="accent1"/>
+          </a:fillRef>
+          <a:effectRef idx="0">
+            <a:schemeClr val="accent1"/>
+          </a:effectRef>
+          <a:fontRef idx="minor">
+            <a:schemeClr val="lt1"/>
+          </a:fontRef>
+        </p:style>
+        <p:txBody>
+          <a:bodyPr rtlCol="0" anchor="ctr"/>
+          <a:lstStyle/>
+          <a:p>
+            <a:pPr algn="ctr"/>
+            <a:r>
+              <a:rPr kumimoji="1" lang="en-US" altLang="ja-JP" smtClean="0">
+                <a:solidFill>
+                  <a:schemeClr val="tx1">
+                    <a:lumMod val="50000"/>
+                    <a:lumOff val="50000"/>
+                  </a:schemeClr>
+                </a:solidFill>
+              </a:rPr>
+              <a:t>HTTP</a:t>
+            </a:r>
+          </a:p>
+          <a:p>
+            <a:pPr algn="ctr"/>
+            <a:r>
+              <a:rPr lang="en-US" altLang="ja-JP" smtClean="0">
+                <a:solidFill>
+                  <a:schemeClr val="tx1">
+                    <a:lumMod val="50000"/>
+                    <a:lumOff val="50000"/>
+                  </a:schemeClr>
+                </a:solidFill>
+              </a:rPr>
+              <a:t>Server</a:t>
+            </a:r>
+            <a:endParaRPr kumimoji="1" lang="ja-JP" altLang="en-US" smtClean="0">
+              <a:solidFill>
+                <a:schemeClr val="tx1">
+                  <a:lumMod val="50000"/>
+                  <a:lumOff val="50000"/>
+                </a:schemeClr>
+              </a:solidFill>
+            </a:endParaRPr>
+          </a:p>
+        </p:txBody>
+      </p:sp>
+      <p:sp>
+        <p:nvSpPr>
+          <p:cNvPr id="17" name="正方形/長方形 16"/>
+          <p:cNvSpPr/>
+          <p:nvPr/>
+        </p:nvSpPr>
+        <p:spPr>
+          <a:xfrm>
+            <a:off x="3131840" y="4254054"/>
+            <a:ext cx="1008112" cy="759122"/>
+          </a:xfrm>
+          <a:prstGeom prst="rect">
+            <a:avLst/>
+          </a:prstGeom>
+          <a:solidFill>
+            <a:schemeClr val="accent2">
+              <a:lumMod val="20000"/>
+              <a:lumOff val="80000"/>
+            </a:schemeClr>
+          </a:solidFill>
+          <a:ln w="3175">
+            <a:solidFill>
+              <a:schemeClr val="accent2"/>
+            </a:solidFill>
+            <a:prstDash val="sysDot"/>
+          </a:ln>
+        </p:spPr>
+        <p:style>
+          <a:lnRef idx="2">
+            <a:schemeClr val="accent1">
+              <a:shade val="50000"/>
+            </a:schemeClr>
+          </a:lnRef>
+          <a:fillRef idx="1">
+            <a:schemeClr val="accent1"/>
+          </a:fillRef>
+          <a:effectRef idx="0">
+            <a:schemeClr val="accent1"/>
+          </a:effectRef>
+          <a:fontRef idx="minor">
+            <a:schemeClr val="lt1"/>
+          </a:fontRef>
+        </p:style>
+        <p:txBody>
+          <a:bodyPr rtlCol="0" anchor="ctr"/>
+          <a:lstStyle/>
+          <a:p>
+            <a:pPr algn="ctr"/>
+            <a:r>
+              <a:rPr kumimoji="1" lang="en-US" altLang="ja-JP" smtClean="0">
+                <a:solidFill>
+                  <a:schemeClr val="tx1">
+                    <a:lumMod val="50000"/>
+                    <a:lumOff val="50000"/>
+                  </a:schemeClr>
+                </a:solidFill>
+              </a:rPr>
+              <a:t>HTTP</a:t>
+            </a:r>
+          </a:p>
+          <a:p>
+            <a:pPr algn="ctr"/>
+            <a:r>
+              <a:rPr lang="en-US" altLang="ja-JP" smtClean="0">
+                <a:solidFill>
+                  <a:schemeClr val="tx1">
+                    <a:lumMod val="50000"/>
+                    <a:lumOff val="50000"/>
+                  </a:schemeClr>
+                </a:solidFill>
+              </a:rPr>
+              <a:t>Client</a:t>
+            </a:r>
+            <a:endParaRPr kumimoji="1" lang="ja-JP" altLang="en-US" smtClean="0">
+              <a:solidFill>
+                <a:schemeClr val="tx1">
+                  <a:lumMod val="50000"/>
+                  <a:lumOff val="50000"/>
+                </a:schemeClr>
+              </a:solidFill>
+            </a:endParaRPr>
+          </a:p>
+        </p:txBody>
+      </p:sp>
+      <p:sp>
+        <p:nvSpPr>
+          <p:cNvPr id="18" name="正方形/長方形 17"/>
+          <p:cNvSpPr/>
+          <p:nvPr/>
+        </p:nvSpPr>
+        <p:spPr>
+          <a:xfrm>
+            <a:off x="5168483" y="3388723"/>
+            <a:ext cx="1008112" cy="720242"/>
+          </a:xfrm>
+          <a:prstGeom prst="rect">
+            <a:avLst/>
+          </a:prstGeom>
+          <a:solidFill>
+            <a:schemeClr val="accent2">
+              <a:lumMod val="20000"/>
+              <a:lumOff val="80000"/>
+            </a:schemeClr>
+          </a:solidFill>
+          <a:ln w="3175">
+            <a:solidFill>
+              <a:schemeClr val="accent2"/>
+            </a:solidFill>
+            <a:prstDash val="sysDot"/>
+          </a:ln>
+        </p:spPr>
+        <p:style>
+          <a:lnRef idx="2">
+            <a:schemeClr val="accent1">
+              <a:shade val="50000"/>
+            </a:schemeClr>
+          </a:lnRef>
+          <a:fillRef idx="1">
+            <a:schemeClr val="accent1"/>
+          </a:fillRef>
+          <a:effectRef idx="0">
+            <a:schemeClr val="accent1"/>
+          </a:effectRef>
+          <a:fontRef idx="minor">
+            <a:schemeClr val="lt1"/>
+          </a:fontRef>
+        </p:style>
+        <p:txBody>
+          <a:bodyPr rtlCol="0" anchor="ctr"/>
+          <a:lstStyle/>
+          <a:p>
+            <a:pPr algn="ctr"/>
+            <a:r>
+              <a:rPr kumimoji="1" lang="en-US" altLang="ja-JP" smtClean="0">
+                <a:solidFill>
+                  <a:schemeClr val="tx1">
+                    <a:lumMod val="50000"/>
+                    <a:lumOff val="50000"/>
+                  </a:schemeClr>
+                </a:solidFill>
+              </a:rPr>
+              <a:t>BLE</a:t>
+            </a:r>
+          </a:p>
+          <a:p>
+            <a:pPr algn="ctr"/>
+            <a:r>
+              <a:rPr lang="en-US" altLang="ja-JP" smtClean="0">
+                <a:solidFill>
+                  <a:schemeClr val="tx1">
+                    <a:lumMod val="50000"/>
+                    <a:lumOff val="50000"/>
+                  </a:schemeClr>
+                </a:solidFill>
+              </a:rPr>
+              <a:t>Central</a:t>
+            </a:r>
+            <a:endParaRPr kumimoji="1" lang="ja-JP" altLang="en-US" smtClean="0">
+              <a:solidFill>
+                <a:schemeClr val="tx1">
+                  <a:lumMod val="50000"/>
+                  <a:lumOff val="50000"/>
+                </a:schemeClr>
+              </a:solidFill>
+            </a:endParaRPr>
+          </a:p>
+        </p:txBody>
+      </p:sp>
+      <p:cxnSp>
+        <p:nvCxnSpPr>
+          <p:cNvPr id="10" name="直線矢印コネクタ 9"/>
+          <p:cNvCxnSpPr>
+            <a:stCxn id="7" idx="3"/>
+            <a:endCxn id="18" idx="1"/>
+          </p:cNvCxnSpPr>
+          <p:nvPr/>
+        </p:nvCxnSpPr>
+        <p:spPr>
+          <a:xfrm>
+            <a:off x="4139952" y="2991821"/>
+            <a:ext cx="1028531" cy="757023"/>
+          </a:xfrm>
+          <a:prstGeom prst="straightConnector1">
+            <a:avLst/>
+          </a:prstGeom>
+          <a:ln>
+            <a:tailEnd type="arrow"/>
+          </a:ln>
+        </p:spPr>
+        <p:style>
+          <a:lnRef idx="1">
+            <a:schemeClr val="accent1"/>
+          </a:lnRef>
+          <a:fillRef idx="0">
+            <a:schemeClr val="accent1"/>
+          </a:fillRef>
+          <a:effectRef idx="0">
+            <a:schemeClr val="accent1"/>
+          </a:effectRef>
+          <a:fontRef idx="minor">
+            <a:schemeClr val="tx1"/>
+          </a:fontRef>
+        </p:style>
+      </p:cxnSp>
+      <p:cxnSp>
+        <p:nvCxnSpPr>
+          <p:cNvPr id="13" name="直線矢印コネクタ 12"/>
+          <p:cNvCxnSpPr>
+            <a:stCxn id="18" idx="1"/>
+            <a:endCxn id="17" idx="3"/>
+          </p:cNvCxnSpPr>
+          <p:nvPr/>
+        </p:nvCxnSpPr>
+        <p:spPr>
+          <a:xfrm flipH="1">
+            <a:off x="4139952" y="3748844"/>
+            <a:ext cx="1028531" cy="884771"/>
+          </a:xfrm>
+          <a:prstGeom prst="straightConnector1">
+            <a:avLst/>
+          </a:prstGeom>
+          <a:ln>
+            <a:tailEnd type="arrow"/>
+          </a:ln>
+        </p:spPr>
+        <p:style>
+          <a:lnRef idx="1">
+            <a:schemeClr val="accent1"/>
+          </a:lnRef>
+          <a:fillRef idx="0">
+            <a:schemeClr val="accent1"/>
+          </a:fillRef>
+          <a:effectRef idx="0">
+            <a:schemeClr val="accent1"/>
+          </a:effectRef>
+          <a:fontRef idx="minor">
+            <a:schemeClr val="tx1"/>
+          </a:fontRef>
+        </p:style>
+      </p:cxnSp>
+      <p:cxnSp>
+        <p:nvCxnSpPr>
+          <p:cNvPr id="16" name="直線矢印コネクタ 15"/>
+          <p:cNvCxnSpPr>
+            <a:stCxn id="4" idx="2"/>
+            <a:endCxn id="7" idx="1"/>
+          </p:cNvCxnSpPr>
+          <p:nvPr/>
+        </p:nvCxnSpPr>
+        <p:spPr>
+          <a:xfrm flipV="1">
+            <a:off x="2023546" y="2991821"/>
+            <a:ext cx="1108294" cy="592495"/>
+          </a:xfrm>
+          <a:prstGeom prst="straightConnector1">
+            <a:avLst/>
+          </a:prstGeom>
+          <a:ln>
+            <a:tailEnd type="arrow"/>
+          </a:ln>
+        </p:spPr>
+        <p:style>
+          <a:lnRef idx="1">
+            <a:schemeClr val="accent1"/>
+          </a:lnRef>
+          <a:fillRef idx="0">
+            <a:schemeClr val="accent1"/>
+          </a:fillRef>
+          <a:effectRef idx="0">
+            <a:schemeClr val="accent1"/>
+          </a:effectRef>
+          <a:fontRef idx="minor">
+            <a:schemeClr val="tx1"/>
+          </a:fontRef>
+        </p:style>
+      </p:cxnSp>
+      <p:cxnSp>
+        <p:nvCxnSpPr>
+          <p:cNvPr id="20" name="直線矢印コネクタ 19"/>
+          <p:cNvCxnSpPr>
+            <a:stCxn id="17" idx="1"/>
+            <a:endCxn id="4" idx="2"/>
+          </p:cNvCxnSpPr>
+          <p:nvPr/>
+        </p:nvCxnSpPr>
+        <p:spPr>
+          <a:xfrm flipH="1" flipV="1">
+            <a:off x="2023546" y="3584316"/>
+            <a:ext cx="1108294" cy="1049299"/>
+          </a:xfrm>
+          <a:prstGeom prst="straightConnector1">
+            <a:avLst/>
+          </a:prstGeom>
+          <a:ln>
+            <a:tailEnd type="arrow"/>
+          </a:ln>
+        </p:spPr>
+        <p:style>
+          <a:lnRef idx="1">
+            <a:schemeClr val="accent1"/>
+          </a:lnRef>
+          <a:fillRef idx="0">
+            <a:schemeClr val="accent1"/>
+          </a:fillRef>
+          <a:effectRef idx="0">
+            <a:schemeClr val="accent1"/>
+          </a:effectRef>
+          <a:fontRef idx="minor">
+            <a:schemeClr val="tx1"/>
+          </a:fontRef>
+        </p:style>
+      </p:cxnSp>
+      <p:sp>
+        <p:nvSpPr>
+          <p:cNvPr id="40" name="テキスト ボックス 39"/>
+          <p:cNvSpPr txBox="1"/>
+          <p:nvPr/>
+        </p:nvSpPr>
+        <p:spPr>
+          <a:xfrm>
+            <a:off x="4427984" y="2763863"/>
+            <a:ext cx="592663" cy="523220"/>
+          </a:xfrm>
+          <a:prstGeom prst="rect">
+            <a:avLst/>
+          </a:prstGeom>
+          <a:noFill/>
+        </p:spPr>
+        <p:txBody>
+          <a:bodyPr wrap="none" rtlCol="0">
+            <a:spAutoFit/>
+          </a:bodyPr>
+          <a:lstStyle/>
+          <a:p>
+            <a:r>
+              <a:rPr kumimoji="1" lang="en-US" altLang="ja-JP" sz="1400" smtClean="0">
+                <a:solidFill>
+                  <a:schemeClr val="tx1">
+                    <a:lumMod val="50000"/>
+                    <a:lumOff val="50000"/>
+                  </a:schemeClr>
+                </a:solidFill>
+              </a:rPr>
+              <a:t>Scan</a:t>
+            </a:r>
+          </a:p>
+          <a:p>
+            <a:r>
+              <a:rPr lang="en-US" altLang="ja-JP" sz="1400" smtClean="0">
+                <a:solidFill>
+                  <a:schemeClr val="tx1">
+                    <a:lumMod val="50000"/>
+                    <a:lumOff val="50000"/>
+                  </a:schemeClr>
+                </a:solidFill>
+              </a:rPr>
+              <a:t>Write</a:t>
+            </a:r>
+            <a:endParaRPr kumimoji="1" lang="ja-JP" altLang="en-US" sz="1400">
+              <a:solidFill>
+                <a:schemeClr val="tx1">
+                  <a:lumMod val="50000"/>
+                  <a:lumOff val="50000"/>
+                </a:schemeClr>
+              </a:solidFill>
+            </a:endParaRPr>
+          </a:p>
+        </p:txBody>
+      </p:sp>
+      <p:sp>
+        <p:nvSpPr>
+          <p:cNvPr id="41" name="テキスト ボックス 40"/>
+          <p:cNvSpPr txBox="1"/>
+          <p:nvPr/>
+        </p:nvSpPr>
+        <p:spPr>
+          <a:xfrm>
+            <a:off x="4441371" y="4318168"/>
+            <a:ext cx="1043940" cy="307777"/>
+          </a:xfrm>
+          <a:prstGeom prst="rect">
+            <a:avLst/>
+          </a:prstGeom>
+          <a:noFill/>
+        </p:spPr>
+        <p:txBody>
+          <a:bodyPr wrap="none" rtlCol="0">
+            <a:spAutoFit/>
+          </a:bodyPr>
+          <a:lstStyle/>
+          <a:p>
+            <a:r>
+              <a:rPr lang="en-US" altLang="ja-JP" sz="1400" smtClean="0">
+                <a:solidFill>
+                  <a:schemeClr val="tx1">
+                    <a:lumMod val="50000"/>
+                    <a:lumOff val="50000"/>
+                  </a:schemeClr>
+                </a:solidFill>
+              </a:rPr>
+              <a:t>Notification</a:t>
+            </a:r>
+            <a:endParaRPr kumimoji="1" lang="ja-JP" altLang="en-US" sz="1400">
+              <a:solidFill>
+                <a:schemeClr val="tx1">
+                  <a:lumMod val="50000"/>
+                  <a:lumOff val="50000"/>
+                </a:schemeClr>
+              </a:solidFill>
+            </a:endParaRPr>
+          </a:p>
+        </p:txBody>
+      </p:sp>
+    </p:spTree>
+    <p:extLst>
+      <p:ext uri="{BB962C8B-B14F-4D97-AF65-F5344CB8AC3E}">
+        <p14:creationId xmlns:p14="http://schemas.microsoft.com/office/powerpoint/2010/main" val="1703907509"/>
       </p:ext>
     </p:extLst>
   </p:cSld>
